--- a/General/e-health.pptx
+++ b/General/e-health.pptx
@@ -4120,7 +4120,7 @@
         </p:spPr>
         <p:txBody>
           <a:bodyPr>
-            <a:normAutofit/>
+            <a:normAutofit fontScale="92500"/>
           </a:bodyPr>
           <a:lstStyle/>
           <a:p>
@@ -4136,16 +4136,10 @@
           </a:p>
           <a:p>
             <a:r>
-              <a:rPr lang="en-GB" dirty="0" err="1" smtClean="0">
-                <a:latin typeface="AR JULIAN" panose="02000000000000000000" pitchFamily="2" charset="0"/>
-              </a:rPr>
-              <a:t>int</a:t>
-            </a:r>
-            <a:r>
               <a:rPr lang="en-GB" dirty="0" smtClean="0">
                 <a:latin typeface="AR JULIAN" panose="02000000000000000000" pitchFamily="2" charset="0"/>
               </a:rPr>
-              <a:t> </a:t>
+              <a:t>Integer </a:t>
             </a:r>
             <a:r>
               <a:rPr lang="en-GB" dirty="0" err="1" smtClean="0">
@@ -4197,7 +4191,7 @@
         </p:spPr>
         <p:txBody>
           <a:bodyPr vert="horz" lIns="91440" tIns="45720" rIns="91440" bIns="45720" rtlCol="0">
-            <a:normAutofit/>
+            <a:normAutofit fontScale="92500" lnSpcReduction="10000"/>
           </a:bodyPr>
           <a:lstStyle>
             <a:lvl1pPr marL="384048" indent="-384048" algn="l" defTabSz="914400" rtl="0" eaLnBrk="1" latinLnBrk="0" hangingPunct="1">
@@ -4462,7 +4456,7 @@
         </p:spPr>
         <p:txBody>
           <a:bodyPr vert="horz" lIns="91440" tIns="45720" rIns="91440" bIns="45720" rtlCol="0">
-            <a:normAutofit/>
+            <a:normAutofit fontScale="92500" lnSpcReduction="20000"/>
           </a:bodyPr>
           <a:lstStyle>
             <a:lvl1pPr marL="384048" indent="-384048" algn="l" defTabSz="914400" rtl="0" eaLnBrk="1" latinLnBrk="0" hangingPunct="1">
@@ -4698,7 +4692,7 @@
         </p:spPr>
         <p:txBody>
           <a:bodyPr vert="horz" lIns="91440" tIns="45720" rIns="91440" bIns="45720" rtlCol="0">
-            <a:normAutofit fontScale="85000" lnSpcReduction="10000"/>
+            <a:normAutofit fontScale="77500" lnSpcReduction="20000"/>
           </a:bodyPr>
           <a:lstStyle>
             <a:lvl1pPr marL="384048" indent="-384048" algn="l" defTabSz="914400" rtl="0" eaLnBrk="1" latinLnBrk="0" hangingPunct="1">
@@ -5026,7 +5020,7 @@
         </p:spPr>
         <p:txBody>
           <a:bodyPr vert="horz" lIns="91440" tIns="45720" rIns="91440" bIns="45720" rtlCol="0">
-            <a:normAutofit/>
+            <a:normAutofit fontScale="92500" lnSpcReduction="20000"/>
           </a:bodyPr>
           <a:lstStyle>
             <a:lvl1pPr marL="384048" indent="-384048" algn="l" defTabSz="914400" rtl="0" eaLnBrk="1" latinLnBrk="0" hangingPunct="1">
@@ -6817,10 +6811,10 @@
           <a:p>
             <a:pPr algn="ctr"/>
             <a:r>
-              <a:rPr lang="en-GB" dirty="0" err="1" smtClean="0">
-                <a:latin typeface="AR JULIAN" panose="02000000000000000000" pitchFamily="2" charset="0"/>
-              </a:rPr>
-              <a:t>sara</a:t>
+              <a:rPr lang="en-GB" dirty="0" smtClean="0">
+                <a:latin typeface="AR JULIAN" panose="02000000000000000000" pitchFamily="2" charset="0"/>
+              </a:rPr>
+              <a:t>Sara</a:t>
             </a:r>
             <a:endParaRPr lang="en-GB" dirty="0">
               <a:latin typeface="AR JULIAN" panose="02000000000000000000" pitchFamily="2" charset="0"/>
@@ -7444,79 +7438,109 @@
         </p:nvSpPr>
         <p:spPr>
           <a:xfrm>
-            <a:off x="1700784" y="2715768"/>
-            <a:ext cx="4864608" cy="3581400"/>
+            <a:off x="977244" y="2621344"/>
+            <a:ext cx="5135445" cy="3581400"/>
           </a:xfrm>
         </p:spPr>
         <p:txBody>
           <a:bodyPr>
-            <a:normAutofit/>
+            <a:normAutofit fontScale="92500" lnSpcReduction="10000"/>
           </a:bodyPr>
           <a:lstStyle/>
           <a:p>
+            <a:pPr>
+              <a:buFont typeface="Wingdings" panose="05000000000000000000" pitchFamily="2" charset="2"/>
+              <a:buChar char="q"/>
+            </a:pPr>
             <a:r>
               <a:rPr lang="en-GB" dirty="0" smtClean="0">
-                <a:latin typeface="AR JULIAN" panose="02000000000000000000" pitchFamily="2" charset="0"/>
-              </a:rPr>
-              <a:t>Register</a:t>
-            </a:r>
-          </a:p>
-          <a:p>
+                <a:latin typeface="AR JULIAN" panose="02000000000000000000"/>
+              </a:rPr>
+              <a:t>Register, log in and maintain profile;</a:t>
+            </a:r>
+            <a:endParaRPr lang="en-GB" dirty="0" smtClean="0">
+              <a:latin typeface="AR JULIAN" panose="02000000000000000000"/>
+            </a:endParaRPr>
+          </a:p>
+          <a:p>
+            <a:pPr>
+              <a:buFont typeface="Wingdings" panose="05000000000000000000" pitchFamily="2" charset="2"/>
+              <a:buChar char="q"/>
+            </a:pPr>
             <a:r>
               <a:rPr lang="en-GB" dirty="0" smtClean="0">
-                <a:latin typeface="AR JULIAN" panose="02000000000000000000" pitchFamily="2" charset="0"/>
-              </a:rPr>
-              <a:t>Log in</a:t>
-            </a:r>
-          </a:p>
-          <a:p>
+                <a:latin typeface="AR JULIAN" panose="02000000000000000000"/>
+              </a:rPr>
+              <a:t>Search in a specific category;</a:t>
+            </a:r>
+            <a:endParaRPr lang="en-GB" dirty="0" smtClean="0">
+              <a:latin typeface="AR JULIAN" panose="02000000000000000000"/>
+            </a:endParaRPr>
+          </a:p>
+          <a:p>
+            <a:pPr>
+              <a:buFont typeface="Wingdings" panose="05000000000000000000" pitchFamily="2" charset="2"/>
+              <a:buChar char="q"/>
+            </a:pPr>
             <a:r>
               <a:rPr lang="en-GB" dirty="0" smtClean="0">
-                <a:latin typeface="AR JULIAN" panose="02000000000000000000" pitchFamily="2" charset="0"/>
-              </a:rPr>
-              <a:t>Search</a:t>
-            </a:r>
-          </a:p>
-          <a:p>
+                <a:latin typeface="AR JULIAN" panose="02000000000000000000"/>
+              </a:rPr>
+              <a:t>Filter results based on readability/sentiment/subjectivity score;</a:t>
+            </a:r>
+          </a:p>
+          <a:p>
+            <a:pPr>
+              <a:buFont typeface="Wingdings" panose="05000000000000000000" pitchFamily="2" charset="2"/>
+              <a:buChar char="q"/>
+            </a:pPr>
             <a:r>
               <a:rPr lang="en-GB" dirty="0" smtClean="0">
-                <a:latin typeface="AR JULIAN" panose="02000000000000000000" pitchFamily="2" charset="0"/>
-              </a:rPr>
-              <a:t>Choose category</a:t>
-            </a:r>
-          </a:p>
-          <a:p>
+                <a:latin typeface="AR JULIAN" panose="02000000000000000000"/>
+              </a:rPr>
+              <a:t>Sort results by source;</a:t>
+            </a:r>
+            <a:endParaRPr lang="en-GB" dirty="0" smtClean="0">
+              <a:latin typeface="AR JULIAN" panose="02000000000000000000"/>
+            </a:endParaRPr>
+          </a:p>
+          <a:p>
+            <a:pPr>
+              <a:buFont typeface="Wingdings" panose="05000000000000000000" pitchFamily="2" charset="2"/>
+              <a:buChar char="q"/>
+            </a:pPr>
             <a:r>
               <a:rPr lang="en-GB" dirty="0" smtClean="0">
-                <a:latin typeface="AR JULIAN" panose="02000000000000000000" pitchFamily="2" charset="0"/>
-              </a:rPr>
-              <a:t>Adjust </a:t>
+                <a:latin typeface="AR JULIAN" panose="02000000000000000000"/>
+              </a:rPr>
+              <a:t>Maintain folders in which to store pages they have found useful;</a:t>
+            </a:r>
+          </a:p>
+          <a:p>
+            <a:pPr>
+              <a:buFont typeface="Wingdings" panose="05000000000000000000" pitchFamily="2" charset="2"/>
+              <a:buChar char="q"/>
+            </a:pPr>
+            <a:r>
+              <a:rPr lang="en-GB" dirty="0" smtClean="0">
+                <a:latin typeface="AR JULIAN" panose="02000000000000000000"/>
+              </a:rPr>
+              <a:t>View and modify his/her search history;</a:t>
             </a:r>
             <a:r>
               <a:rPr lang="en-GB" dirty="0">
-                <a:latin typeface="AR JULIAN" panose="02000000000000000000" pitchFamily="2" charset="0"/>
-              </a:rPr>
-              <a:t>readability/sentiment </a:t>
-            </a:r>
-            <a:r>
-              <a:rPr lang="en-GB" dirty="0" smtClean="0">
-                <a:latin typeface="AR JULIAN" panose="02000000000000000000" pitchFamily="2" charset="0"/>
-              </a:rPr>
-              <a:t>score</a:t>
-            </a:r>
-          </a:p>
-          <a:p>
-            <a:pPr marL="0" indent="0">
-              <a:buNone/>
-            </a:pPr>
-            <a:r>
-              <a:rPr lang="en-GB" dirty="0"/>
+                <a:latin typeface="AR JULIAN" panose="02000000000000000000"/>
+              </a:rPr>
               <a:t/>
             </a:r>
             <a:br>
-              <a:rPr lang="en-GB" dirty="0"/>
+              <a:rPr lang="en-GB" dirty="0">
+                <a:latin typeface="AR JULIAN" panose="02000000000000000000"/>
+              </a:rPr>
             </a:br>
-            <a:endParaRPr lang="en-GB" dirty="0"/>
+            <a:endParaRPr lang="en-GB" dirty="0">
+              <a:latin typeface="AR JULIAN" panose="02000000000000000000"/>
+            </a:endParaRPr>
           </a:p>
         </p:txBody>
       </p:sp>
@@ -7733,50 +7757,177 @@
             </a:lvl9pPr>
           </a:lstStyle>
           <a:p>
-            <a:r>
-              <a:rPr lang="en-GB" dirty="0" smtClean="0">
-                <a:latin typeface="AR JULIAN" panose="02000000000000000000" pitchFamily="2" charset="0"/>
-              </a:rPr>
-              <a:t>Edit user profile</a:t>
-            </a:r>
-          </a:p>
-          <a:p>
-            <a:r>
-              <a:rPr lang="en-GB" dirty="0" smtClean="0">
-                <a:latin typeface="AR JULIAN" panose="02000000000000000000" pitchFamily="2" charset="0"/>
-              </a:rPr>
-              <a:t>Upload photo</a:t>
-            </a:r>
-          </a:p>
-          <a:p>
-            <a:r>
-              <a:rPr lang="en-GB" dirty="0" smtClean="0">
-                <a:latin typeface="AR JULIAN" panose="02000000000000000000" pitchFamily="2" charset="0"/>
-              </a:rPr>
-              <a:t>Type/Re-type password</a:t>
-            </a:r>
-          </a:p>
-          <a:p>
-            <a:r>
-              <a:rPr lang="en-GB" dirty="0" smtClean="0">
-                <a:latin typeface="AR JULIAN" panose="02000000000000000000" pitchFamily="2" charset="0"/>
-              </a:rPr>
-              <a:t>Add/Delete “album”</a:t>
-            </a:r>
-          </a:p>
-          <a:p>
-            <a:r>
-              <a:rPr lang="en-GB" dirty="0" smtClean="0">
-                <a:latin typeface="AR JULIAN" panose="02000000000000000000" pitchFamily="2" charset="0"/>
-              </a:rPr>
-              <a:t>Add to “album”</a:t>
-            </a:r>
+            <a:pPr marL="0" indent="0">
+              <a:buNone/>
+            </a:pPr>
             <a:r>
               <a:rPr lang="en-GB" dirty="0" smtClean="0"/>
               <a:t/>
             </a:r>
             <a:br>
               <a:rPr lang="en-GB" dirty="0" smtClean="0"/>
+            </a:br>
+            <a:endParaRPr lang="en-GB" dirty="0"/>
+          </a:p>
+        </p:txBody>
+      </p:sp>
+      <p:sp>
+        <p:nvSpPr>
+          <p:cNvPr id="5" name="Правоъгълник 4"/>
+          <p:cNvSpPr/>
+          <p:nvPr/>
+        </p:nvSpPr>
+        <p:spPr>
+          <a:xfrm>
+            <a:off x="1371600" y="2164644"/>
+            <a:ext cx="3501280" cy="369332"/>
+          </a:xfrm>
+          <a:prstGeom prst="rect">
+            <a:avLst/>
+          </a:prstGeom>
+        </p:spPr>
+        <p:txBody>
+          <a:bodyPr wrap="none">
+            <a:spAutoFit/>
+          </a:bodyPr>
+          <a:lstStyle/>
+          <a:p>
+            <a:r>
+              <a:rPr lang="en-GB" dirty="0" smtClean="0">
+                <a:latin typeface="AR JULIAN" panose="02000000000000000000" pitchFamily="2" charset="0"/>
+              </a:rPr>
+              <a:t>The user need to be able to:</a:t>
+            </a:r>
+            <a:endParaRPr lang="en-GB" dirty="0"/>
+          </a:p>
+        </p:txBody>
+      </p:sp>
+      <p:sp>
+        <p:nvSpPr>
+          <p:cNvPr id="6" name="Правоъгълник 5"/>
+          <p:cNvSpPr/>
+          <p:nvPr/>
+        </p:nvSpPr>
+        <p:spPr>
+          <a:xfrm>
+            <a:off x="6672072" y="2237780"/>
+            <a:ext cx="2714205" cy="369332"/>
+          </a:xfrm>
+          <a:prstGeom prst="rect">
+            <a:avLst/>
+          </a:prstGeom>
+        </p:spPr>
+        <p:txBody>
+          <a:bodyPr wrap="none">
+            <a:spAutoFit/>
+          </a:bodyPr>
+          <a:lstStyle/>
+          <a:p>
+            <a:r>
+              <a:rPr lang="en-GB" dirty="0" smtClean="0">
+                <a:latin typeface="AR JULIAN" panose="02000000000000000000" pitchFamily="2" charset="0"/>
+              </a:rPr>
+              <a:t>The application must:</a:t>
+            </a:r>
+            <a:endParaRPr lang="en-GB" dirty="0"/>
+          </a:p>
+        </p:txBody>
+      </p:sp>
+      <p:sp>
+        <p:nvSpPr>
+          <p:cNvPr id="7" name="Правоъгълник 6"/>
+          <p:cNvSpPr/>
+          <p:nvPr/>
+        </p:nvSpPr>
+        <p:spPr>
+          <a:xfrm>
+            <a:off x="6172200" y="2802134"/>
+            <a:ext cx="5826385" cy="2246769"/>
+          </a:xfrm>
+          <a:prstGeom prst="rect">
+            <a:avLst/>
+          </a:prstGeom>
+        </p:spPr>
+        <p:txBody>
+          <a:bodyPr wrap="square">
+            <a:spAutoFit/>
+          </a:bodyPr>
+          <a:lstStyle/>
+          <a:p>
+            <a:pPr marL="342900" indent="-342900">
+              <a:buSzPct val="100000"/>
+              <a:buFont typeface="Wingdings" panose="05000000000000000000" pitchFamily="2" charset="2"/>
+              <a:buChar char="q"/>
+            </a:pPr>
+            <a:r>
+              <a:rPr lang="en-GB" sz="2000" dirty="0" smtClean="0">
+                <a:latin typeface="AR JULIAN" panose="02000000000000000000"/>
+              </a:rPr>
+              <a:t>Return accurate results quickly and reliably</a:t>
+            </a:r>
+          </a:p>
+          <a:p>
+            <a:pPr marL="342900" indent="-342900">
+              <a:buFont typeface="Wingdings" panose="05000000000000000000" pitchFamily="2" charset="2"/>
+              <a:buChar char="q"/>
+            </a:pPr>
+            <a:r>
+              <a:rPr lang="en-GB" sz="2000" dirty="0" smtClean="0">
+                <a:latin typeface="AR JULIAN" panose="02000000000000000000"/>
+              </a:rPr>
+              <a:t>Provide important information about each page</a:t>
+            </a:r>
+          </a:p>
+          <a:p>
+            <a:pPr marL="342900" indent="-342900">
+              <a:buFont typeface="Wingdings" panose="05000000000000000000" pitchFamily="2" charset="2"/>
+              <a:buChar char="q"/>
+            </a:pPr>
+            <a:r>
+              <a:rPr lang="en-GB" sz="2000" dirty="0" smtClean="0">
+                <a:latin typeface="AR JULIAN" panose="02000000000000000000"/>
+              </a:rPr>
+              <a:t>Allow the user to set his personal information to private/public</a:t>
+            </a:r>
+          </a:p>
+          <a:p>
+            <a:pPr marL="342900" indent="-342900">
+              <a:buFont typeface="Wingdings" panose="05000000000000000000" pitchFamily="2" charset="2"/>
+              <a:buChar char="q"/>
+            </a:pPr>
+            <a:endParaRPr lang="en-GB" sz="2000" dirty="0">
+              <a:latin typeface="AR JULIAN" panose="02000000000000000000"/>
+            </a:endParaRPr>
+          </a:p>
+        </p:txBody>
+      </p:sp>
+      <p:sp>
+        <p:nvSpPr>
+          <p:cNvPr id="9" name="Правоъгълник 8"/>
+          <p:cNvSpPr/>
+          <p:nvPr/>
+        </p:nvSpPr>
+        <p:spPr>
+          <a:xfrm>
+            <a:off x="5362222" y="4753170"/>
+            <a:ext cx="6096000" cy="646331"/>
+          </a:xfrm>
+          <a:prstGeom prst="rect">
+            <a:avLst/>
+          </a:prstGeom>
+        </p:spPr>
+        <p:txBody>
+          <a:bodyPr>
+            <a:spAutoFit/>
+          </a:bodyPr>
+          <a:lstStyle/>
+          <a:p>
+            <a:r>
+              <a:rPr lang="en-GB" dirty="0"/>
+              <a:t/>
+            </a:r>
+            <a:br>
+              <a:rPr lang="en-GB" dirty="0"/>
             </a:br>
             <a:endParaRPr lang="en-GB" dirty="0"/>
           </a:p>
@@ -7871,15 +8022,31 @@
               <a:rPr lang="en-GB" dirty="0" smtClean="0">
                 <a:latin typeface="AR JULIAN" panose="02000000000000000000" pitchFamily="2" charset="0"/>
               </a:rPr>
-              <a:t>APIs</a:t>
-            </a:r>
-          </a:p>
-          <a:p>
+              <a:t>Needs to </a:t>
+            </a:r>
+            <a:r>
+              <a:rPr lang="en-GB" dirty="0">
+                <a:latin typeface="AR JULIAN" panose="02000000000000000000" pitchFamily="2" charset="0"/>
+              </a:rPr>
+              <a:t>look </a:t>
+            </a:r>
+            <a:r>
+              <a:rPr lang="en-GB" dirty="0" err="1">
+                <a:latin typeface="AR JULIAN" panose="02000000000000000000" pitchFamily="2" charset="0"/>
+              </a:rPr>
+              <a:t>aestetically</a:t>
+            </a:r>
+            <a:r>
+              <a:rPr lang="en-GB" dirty="0">
+                <a:latin typeface="AR JULIAN" panose="02000000000000000000" pitchFamily="2" charset="0"/>
+              </a:rPr>
+              <a:t> </a:t>
+            </a:r>
             <a:r>
               <a:rPr lang="en-GB" dirty="0" smtClean="0">
                 <a:latin typeface="AR JULIAN" panose="02000000000000000000" pitchFamily="2" charset="0"/>
               </a:rPr>
-              <a:t>User</a:t>
+              <a:t>pleasing;</a:t>
             </a:r>
           </a:p>
           <a:p>
@@ -7887,7 +8054,7 @@
               <a:rPr lang="en-GB" dirty="0" smtClean="0">
                 <a:latin typeface="AR JULIAN" panose="02000000000000000000" pitchFamily="2" charset="0"/>
               </a:rPr>
-              <a:t>Client</a:t>
+              <a:t>Needs to be designed in an easy to use/easy to navigate way;</a:t>
             </a:r>
           </a:p>
           <a:p>
@@ -7895,23 +8062,14 @@
               <a:rPr lang="en-GB" dirty="0" smtClean="0">
                 <a:latin typeface="AR JULIAN" panose="02000000000000000000" pitchFamily="2" charset="0"/>
               </a:rPr>
-              <a:t>Middleware</a:t>
-            </a:r>
-          </a:p>
-          <a:p>
+              <a:t>Needs acces</a:t>
+            </a:r>
             <a:r>
               <a:rPr lang="en-GB" dirty="0" smtClean="0">
                 <a:latin typeface="AR JULIAN" panose="02000000000000000000" pitchFamily="2" charset="0"/>
               </a:rPr>
-              <a:t>Database</a:t>
-            </a:r>
-            <a:r>
-              <a:rPr lang="en-GB" dirty="0"/>
-              <a:t/>
-            </a:r>
-            <a:br>
-              <a:rPr lang="en-GB" dirty="0"/>
-            </a:br>
+              <a:t>s to the internet as well as to different search APIs.</a:t>
+            </a:r>
             <a:endParaRPr lang="en-GB" dirty="0"/>
           </a:p>
         </p:txBody>

--- a/General/e-health.pptx
+++ b/General/e-health.pptx
@@ -4120,7 +4120,7 @@
         </p:spPr>
         <p:txBody>
           <a:bodyPr>
-            <a:normAutofit fontScale="92500"/>
+            <a:normAutofit/>
           </a:bodyPr>
           <a:lstStyle/>
           <a:p>
@@ -4191,7 +4191,7 @@
         </p:spPr>
         <p:txBody>
           <a:bodyPr vert="horz" lIns="91440" tIns="45720" rIns="91440" bIns="45720" rtlCol="0">
-            <a:normAutofit fontScale="92500" lnSpcReduction="10000"/>
+            <a:normAutofit/>
           </a:bodyPr>
           <a:lstStyle>
             <a:lvl1pPr marL="384048" indent="-384048" algn="l" defTabSz="914400" rtl="0" eaLnBrk="1" latinLnBrk="0" hangingPunct="1">
@@ -4456,7 +4456,7 @@
         </p:spPr>
         <p:txBody>
           <a:bodyPr vert="horz" lIns="91440" tIns="45720" rIns="91440" bIns="45720" rtlCol="0">
-            <a:normAutofit fontScale="92500" lnSpcReduction="20000"/>
+            <a:normAutofit/>
           </a:bodyPr>
           <a:lstStyle>
             <a:lvl1pPr marL="384048" indent="-384048" algn="l" defTabSz="914400" rtl="0" eaLnBrk="1" latinLnBrk="0" hangingPunct="1">
@@ -4692,7 +4692,7 @@
         </p:spPr>
         <p:txBody>
           <a:bodyPr vert="horz" lIns="91440" tIns="45720" rIns="91440" bIns="45720" rtlCol="0">
-            <a:normAutofit fontScale="77500" lnSpcReduction="20000"/>
+            <a:normAutofit fontScale="85000" lnSpcReduction="10000"/>
           </a:bodyPr>
           <a:lstStyle>
             <a:lvl1pPr marL="384048" indent="-384048" algn="l" defTabSz="914400" rtl="0" eaLnBrk="1" latinLnBrk="0" hangingPunct="1">
@@ -5020,7 +5020,7 @@
         </p:spPr>
         <p:txBody>
           <a:bodyPr vert="horz" lIns="91440" tIns="45720" rIns="91440" bIns="45720" rtlCol="0">
-            <a:normAutofit fontScale="92500" lnSpcReduction="20000"/>
+            <a:normAutofit/>
           </a:bodyPr>
           <a:lstStyle>
             <a:lvl1pPr marL="384048" indent="-384048" algn="l" defTabSz="914400" rtl="0" eaLnBrk="1" latinLnBrk="0" hangingPunct="1">
@@ -7444,7 +7444,7 @@
         </p:spPr>
         <p:txBody>
           <a:bodyPr>
-            <a:normAutofit fontScale="92500" lnSpcReduction="10000"/>
+            <a:normAutofit fontScale="92500"/>
           </a:bodyPr>
           <a:lstStyle/>
           <a:p>
@@ -7458,9 +7458,6 @@
               </a:rPr>
               <a:t>Register, log in and maintain profile;</a:t>
             </a:r>
-            <a:endParaRPr lang="en-GB" dirty="0" smtClean="0">
-              <a:latin typeface="AR JULIAN" panose="02000000000000000000"/>
-            </a:endParaRPr>
           </a:p>
           <a:p>
             <a:pPr>
@@ -7473,9 +7470,6 @@
               </a:rPr>
               <a:t>Search in a specific category;</a:t>
             </a:r>
-            <a:endParaRPr lang="en-GB" dirty="0" smtClean="0">
-              <a:latin typeface="AR JULIAN" panose="02000000000000000000"/>
-            </a:endParaRPr>
           </a:p>
           <a:p>
             <a:pPr>
@@ -7500,9 +7494,6 @@
               </a:rPr>
               <a:t>Sort results by source;</a:t>
             </a:r>
-            <a:endParaRPr lang="en-GB" dirty="0" smtClean="0">
-              <a:latin typeface="AR JULIAN" panose="02000000000000000000"/>
-            </a:endParaRPr>
           </a:p>
           <a:p>
             <a:pPr>
@@ -8031,21 +8022,15 @@
               <a:t>look </a:t>
             </a:r>
             <a:r>
-              <a:rPr lang="en-GB" dirty="0" err="1">
-                <a:latin typeface="AR JULIAN" panose="02000000000000000000" pitchFamily="2" charset="0"/>
-              </a:rPr>
-              <a:t>aestetically</a:t>
-            </a:r>
-            <a:r>
-              <a:rPr lang="en-GB" dirty="0">
-                <a:latin typeface="AR JULIAN" panose="02000000000000000000" pitchFamily="2" charset="0"/>
-              </a:rPr>
-              <a:t> </a:t>
-            </a:r>
-            <a:r>
               <a:rPr lang="en-GB" dirty="0" smtClean="0">
                 <a:latin typeface="AR JULIAN" panose="02000000000000000000" pitchFamily="2" charset="0"/>
               </a:rPr>
+              <a:t>aesthetically </a:t>
+            </a:r>
+            <a:r>
+              <a:rPr lang="en-GB" dirty="0" smtClean="0">
+                <a:latin typeface="AR JULIAN" panose="02000000000000000000" pitchFamily="2" charset="0"/>
+              </a:rPr>
               <a:t>pleasing;</a:t>
             </a:r>
           </a:p>
@@ -8062,13 +8047,7 @@
               <a:rPr lang="en-GB" dirty="0" smtClean="0">
                 <a:latin typeface="AR JULIAN" panose="02000000000000000000" pitchFamily="2" charset="0"/>
               </a:rPr>
-              <a:t>Needs acces</a:t>
-            </a:r>
-            <a:r>
-              <a:rPr lang="en-GB" dirty="0" smtClean="0">
-                <a:latin typeface="AR JULIAN" panose="02000000000000000000" pitchFamily="2" charset="0"/>
-              </a:rPr>
-              <a:t>s to the internet as well as to different search APIs.</a:t>
+              <a:t>Needs access to the internet as well as to different search APIs.</a:t>
             </a:r>
             <a:endParaRPr lang="en-GB" dirty="0"/>
           </a:p>

--- a/General/e-health.pptx
+++ b/General/e-health.pptx
@@ -7787,7 +7787,19 @@
               <a:rPr lang="en-GB" dirty="0" smtClean="0">
                 <a:latin typeface="AR JULIAN" panose="02000000000000000000" pitchFamily="2" charset="0"/>
               </a:rPr>
-              <a:t>The user need to be able to:</a:t>
+              <a:t>The user </a:t>
+            </a:r>
+            <a:r>
+              <a:rPr lang="en-GB" dirty="0" smtClean="0">
+                <a:latin typeface="AR JULIAN" panose="02000000000000000000" pitchFamily="2" charset="0"/>
+              </a:rPr>
+              <a:t>needs </a:t>
+            </a:r>
+            <a:r>
+              <a:rPr lang="en-GB" dirty="0" smtClean="0">
+                <a:latin typeface="AR JULIAN" panose="02000000000000000000" pitchFamily="2" charset="0"/>
+              </a:rPr>
+              <a:t>to be able to:</a:t>
             </a:r>
             <a:endParaRPr lang="en-GB" dirty="0"/>
           </a:p>
@@ -8025,13 +8037,7 @@
               <a:rPr lang="en-GB" dirty="0" smtClean="0">
                 <a:latin typeface="AR JULIAN" panose="02000000000000000000" pitchFamily="2" charset="0"/>
               </a:rPr>
-              <a:t>aesthetically </a:t>
-            </a:r>
-            <a:r>
-              <a:rPr lang="en-GB" dirty="0" smtClean="0">
-                <a:latin typeface="AR JULIAN" panose="02000000000000000000" pitchFamily="2" charset="0"/>
-              </a:rPr>
-              <a:t>pleasing;</a:t>
+              <a:t>aesthetically pleasing;</a:t>
             </a:r>
           </a:p>
           <a:p>

--- a/General/e-health.pptx
+++ b/General/e-health.pptx
@@ -32,6 +32,7 @@
     <p:sldId id="277" r:id="rId26"/>
     <p:sldId id="278" r:id="rId27"/>
     <p:sldId id="279" r:id="rId28"/>
+    <p:sldId id="284" r:id="rId29"/>
   </p:sldIdLst>
   <p:sldSz cx="12192000" cy="6858000"/>
   <p:notesSz cx="6858000" cy="9144000"/>
@@ -6205,6 +6206,90 @@
 </p:sld>
 </file>
 
+<file path=ppt/slides/slide28.xml><?xml version="1.0" encoding="utf-8"?>
+<p:sld xmlns:a="http://schemas.openxmlformats.org/drawingml/2006/main" xmlns:r="http://schemas.openxmlformats.org/officeDocument/2006/relationships" xmlns:p="http://schemas.openxmlformats.org/presentationml/2006/main">
+  <p:cSld>
+    <p:spTree>
+      <p:nvGrpSpPr>
+        <p:cNvPr id="1" name=""/>
+        <p:cNvGrpSpPr/>
+        <p:nvPr/>
+      </p:nvGrpSpPr>
+      <p:grpSpPr>
+        <a:xfrm>
+          <a:off x="0" y="0"/>
+          <a:ext cx="0" cy="0"/>
+          <a:chOff x="0" y="0"/>
+          <a:chExt cx="0" cy="0"/>
+        </a:xfrm>
+      </p:grpSpPr>
+      <p:sp>
+        <p:nvSpPr>
+          <p:cNvPr id="2" name="Title 1"/>
+          <p:cNvSpPr>
+            <a:spLocks noGrp="1"/>
+          </p:cNvSpPr>
+          <p:nvPr>
+            <p:ph type="ctrTitle"/>
+          </p:nvPr>
+        </p:nvSpPr>
+        <p:spPr>
+          <a:xfrm>
+            <a:off x="1878552" y="1527048"/>
+            <a:ext cx="8361229" cy="3402048"/>
+          </a:xfrm>
+        </p:spPr>
+        <p:txBody>
+          <a:bodyPr/>
+          <a:lstStyle/>
+          <a:p>
+            <a:r>
+              <a:rPr lang="en-GB" dirty="0" smtClean="0">
+                <a:latin typeface="AR JULIAN" panose="02000000000000000000" pitchFamily="2" charset="0"/>
+              </a:rPr>
+              <a:t>Thank you </a:t>
+            </a:r>
+            <a:br>
+              <a:rPr lang="en-GB" dirty="0" smtClean="0">
+                <a:latin typeface="AR JULIAN" panose="02000000000000000000" pitchFamily="2" charset="0"/>
+              </a:rPr>
+            </a:br>
+            <a:r>
+              <a:rPr lang="en-GB" dirty="0" smtClean="0">
+                <a:latin typeface="AR JULIAN" panose="02000000000000000000" pitchFamily="2" charset="0"/>
+              </a:rPr>
+              <a:t>for</a:t>
+            </a:r>
+            <a:br>
+              <a:rPr lang="en-GB" dirty="0" smtClean="0">
+                <a:latin typeface="AR JULIAN" panose="02000000000000000000" pitchFamily="2" charset="0"/>
+              </a:rPr>
+            </a:br>
+            <a:r>
+              <a:rPr lang="en-GB" dirty="0" smtClean="0">
+                <a:latin typeface="AR JULIAN" panose="02000000000000000000" pitchFamily="2" charset="0"/>
+              </a:rPr>
+              <a:t>your attention!</a:t>
+            </a:r>
+            <a:endParaRPr lang="en-GB" dirty="0">
+              <a:latin typeface="AR JULIAN" panose="02000000000000000000" pitchFamily="2" charset="0"/>
+            </a:endParaRPr>
+          </a:p>
+        </p:txBody>
+      </p:sp>
+    </p:spTree>
+    <p:extLst>
+      <p:ext uri="{BB962C8B-B14F-4D97-AF65-F5344CB8AC3E}">
+        <p14:creationId xmlns:p14="http://schemas.microsoft.com/office/powerpoint/2010/main" val="2170865679"/>
+      </p:ext>
+    </p:extLst>
+  </p:cSld>
+  <p:clrMapOvr>
+    <a:masterClrMapping/>
+  </p:clrMapOvr>
+</p:sld>
+</file>
+
 <file path=ppt/slides/slide3.xml><?xml version="1.0" encoding="utf-8"?>
 <p:sld xmlns:a="http://schemas.openxmlformats.org/drawingml/2006/main" xmlns:r="http://schemas.openxmlformats.org/officeDocument/2006/relationships" xmlns:p="http://schemas.openxmlformats.org/presentationml/2006/main">
   <p:cSld>
@@ -7787,19 +7872,7 @@
               <a:rPr lang="en-GB" dirty="0" smtClean="0">
                 <a:latin typeface="AR JULIAN" panose="02000000000000000000" pitchFamily="2" charset="0"/>
               </a:rPr>
-              <a:t>The user </a:t>
-            </a:r>
-            <a:r>
-              <a:rPr lang="en-GB" dirty="0" smtClean="0">
-                <a:latin typeface="AR JULIAN" panose="02000000000000000000" pitchFamily="2" charset="0"/>
-              </a:rPr>
-              <a:t>needs </a:t>
-            </a:r>
-            <a:r>
-              <a:rPr lang="en-GB" dirty="0" smtClean="0">
-                <a:latin typeface="AR JULIAN" panose="02000000000000000000" pitchFamily="2" charset="0"/>
-              </a:rPr>
-              <a:t>to be able to:</a:t>
+              <a:t>The user needs to be able to:</a:t>
             </a:r>
             <a:endParaRPr lang="en-GB" dirty="0"/>
           </a:p>

--- a/General/e-health.pptx
+++ b/General/e-health.pptx
@@ -195,7 +195,7 @@
           </a:lstStyle>
           <a:p>
             <a:r>
-              <a:rPr lang="en-US" smtClean="0"/>
+              <a:rPr lang="en-US"/>
               <a:t>Click to edit Master title style</a:t>
             </a:r>
             <a:endParaRPr lang="en-US" dirty="0"/>
@@ -271,7 +271,7 @@
           </a:lstStyle>
           <a:p>
             <a:r>
-              <a:rPr lang="en-US" smtClean="0"/>
+              <a:rPr lang="en-US"/>
               <a:t>Click to edit Master subtitle style</a:t>
             </a:r>
             <a:endParaRPr lang="en-US" dirty="0"/>
@@ -557,7 +557,7 @@
           <a:lstStyle/>
           <a:p>
             <a:r>
-              <a:rPr lang="en-US" smtClean="0"/>
+              <a:rPr lang="en-US"/>
               <a:t>Click to edit Master title style</a:t>
             </a:r>
             <a:endParaRPr lang="en-US" dirty="0"/>
@@ -586,35 +586,35 @@
           <a:p>
             <a:pPr lvl="0"/>
             <a:r>
-              <a:rPr lang="en-US" smtClean="0"/>
+              <a:rPr lang="en-US"/>
               <a:t>Click to edit Master text styles</a:t>
             </a:r>
           </a:p>
           <a:p>
             <a:pPr lvl="1"/>
             <a:r>
-              <a:rPr lang="en-US" smtClean="0"/>
+              <a:rPr lang="en-US"/>
               <a:t>Second level</a:t>
             </a:r>
           </a:p>
           <a:p>
             <a:pPr lvl="2"/>
             <a:r>
-              <a:rPr lang="en-US" smtClean="0"/>
+              <a:rPr lang="en-US"/>
               <a:t>Third level</a:t>
             </a:r>
           </a:p>
           <a:p>
             <a:pPr lvl="3"/>
             <a:r>
-              <a:rPr lang="en-US" smtClean="0"/>
+              <a:rPr lang="en-US"/>
               <a:t>Fourth level</a:t>
             </a:r>
           </a:p>
           <a:p>
             <a:pPr lvl="4"/>
             <a:r>
-              <a:rPr lang="en-US" smtClean="0"/>
+              <a:rPr lang="en-US"/>
               <a:t>Fifth level</a:t>
             </a:r>
             <a:endParaRPr lang="en-US" dirty="0"/>
@@ -737,7 +737,7 @@
           <a:lstStyle/>
           <a:p>
             <a:r>
-              <a:rPr lang="en-US" smtClean="0"/>
+              <a:rPr lang="en-US"/>
               <a:t>Click to edit Master title style</a:t>
             </a:r>
             <a:endParaRPr lang="en-US" dirty="0"/>
@@ -766,35 +766,35 @@
           <a:p>
             <a:pPr lvl="0"/>
             <a:r>
-              <a:rPr lang="en-US" smtClean="0"/>
+              <a:rPr lang="en-US"/>
               <a:t>Click to edit Master text styles</a:t>
             </a:r>
           </a:p>
           <a:p>
             <a:pPr lvl="1"/>
             <a:r>
-              <a:rPr lang="en-US" smtClean="0"/>
+              <a:rPr lang="en-US"/>
               <a:t>Second level</a:t>
             </a:r>
           </a:p>
           <a:p>
             <a:pPr lvl="2"/>
             <a:r>
-              <a:rPr lang="en-US" smtClean="0"/>
+              <a:rPr lang="en-US"/>
               <a:t>Third level</a:t>
             </a:r>
           </a:p>
           <a:p>
             <a:pPr lvl="3"/>
             <a:r>
-              <a:rPr lang="en-US" smtClean="0"/>
+              <a:rPr lang="en-US"/>
               <a:t>Fourth level</a:t>
             </a:r>
           </a:p>
           <a:p>
             <a:pPr lvl="4"/>
             <a:r>
-              <a:rPr lang="en-US" smtClean="0"/>
+              <a:rPr lang="en-US"/>
               <a:t>Fifth level</a:t>
             </a:r>
             <a:endParaRPr lang="en-US" dirty="0"/>
@@ -912,7 +912,7 @@
           <a:lstStyle/>
           <a:p>
             <a:r>
-              <a:rPr lang="en-US" smtClean="0"/>
+              <a:rPr lang="en-US"/>
               <a:t>Click to edit Master title style</a:t>
             </a:r>
             <a:endParaRPr lang="en-US" dirty="0"/>
@@ -936,35 +936,35 @@
           <a:p>
             <a:pPr lvl="0"/>
             <a:r>
-              <a:rPr lang="en-US" smtClean="0"/>
+              <a:rPr lang="en-US"/>
               <a:t>Click to edit Master text styles</a:t>
             </a:r>
           </a:p>
           <a:p>
             <a:pPr lvl="1"/>
             <a:r>
-              <a:rPr lang="en-US" smtClean="0"/>
+              <a:rPr lang="en-US"/>
               <a:t>Second level</a:t>
             </a:r>
           </a:p>
           <a:p>
             <a:pPr lvl="2"/>
             <a:r>
-              <a:rPr lang="en-US" smtClean="0"/>
+              <a:rPr lang="en-US"/>
               <a:t>Third level</a:t>
             </a:r>
           </a:p>
           <a:p>
             <a:pPr lvl="3"/>
             <a:r>
-              <a:rPr lang="en-US" smtClean="0"/>
+              <a:rPr lang="en-US"/>
               <a:t>Fourth level</a:t>
             </a:r>
           </a:p>
           <a:p>
             <a:pPr lvl="4"/>
             <a:r>
-              <a:rPr lang="en-US" smtClean="0"/>
+              <a:rPr lang="en-US"/>
               <a:t>Fifth level</a:t>
             </a:r>
             <a:endParaRPr lang="en-US" dirty="0"/>
@@ -1102,7 +1102,7 @@
           </a:lstStyle>
           <a:p>
             <a:r>
-              <a:rPr lang="en-US" smtClean="0"/>
+              <a:rPr lang="en-US"/>
               <a:t>Click to edit Master title style</a:t>
             </a:r>
             <a:endParaRPr lang="en-US" dirty="0"/>
@@ -1229,7 +1229,7 @@
           <a:p>
             <a:pPr lvl="0"/>
             <a:r>
-              <a:rPr lang="en-US" smtClean="0"/>
+              <a:rPr lang="en-US"/>
               <a:t>Click to edit Master text styles</a:t>
             </a:r>
           </a:p>
@@ -1449,7 +1449,7 @@
           </a:lstStyle>
           <a:p>
             <a:r>
-              <a:rPr lang="en-US" smtClean="0"/>
+              <a:rPr lang="en-US"/>
               <a:t>Click to edit Master title style</a:t>
             </a:r>
             <a:endParaRPr lang="en-US" dirty="0"/>
@@ -1514,35 +1514,35 @@
           <a:p>
             <a:pPr lvl="0"/>
             <a:r>
-              <a:rPr lang="en-US" smtClean="0"/>
+              <a:rPr lang="en-US"/>
               <a:t>Click to edit Master text styles</a:t>
             </a:r>
           </a:p>
           <a:p>
             <a:pPr lvl="1"/>
             <a:r>
-              <a:rPr lang="en-US" smtClean="0"/>
+              <a:rPr lang="en-US"/>
               <a:t>Second level</a:t>
             </a:r>
           </a:p>
           <a:p>
             <a:pPr lvl="2"/>
             <a:r>
-              <a:rPr lang="en-US" smtClean="0"/>
+              <a:rPr lang="en-US"/>
               <a:t>Third level</a:t>
             </a:r>
           </a:p>
           <a:p>
             <a:pPr lvl="3"/>
             <a:r>
-              <a:rPr lang="en-US" smtClean="0"/>
+              <a:rPr lang="en-US"/>
               <a:t>Fourth level</a:t>
             </a:r>
           </a:p>
           <a:p>
             <a:pPr lvl="4"/>
             <a:r>
-              <a:rPr lang="en-US" smtClean="0"/>
+              <a:rPr lang="en-US"/>
               <a:t>Fifth level</a:t>
             </a:r>
             <a:endParaRPr lang="en-US" dirty="0"/>
@@ -1607,35 +1607,35 @@
           <a:p>
             <a:pPr lvl="0"/>
             <a:r>
-              <a:rPr lang="en-US" smtClean="0"/>
+              <a:rPr lang="en-US"/>
               <a:t>Click to edit Master text styles</a:t>
             </a:r>
           </a:p>
           <a:p>
             <a:pPr lvl="1"/>
             <a:r>
-              <a:rPr lang="en-US" smtClean="0"/>
+              <a:rPr lang="en-US"/>
               <a:t>Second level</a:t>
             </a:r>
           </a:p>
           <a:p>
             <a:pPr lvl="2"/>
             <a:r>
-              <a:rPr lang="en-US" smtClean="0"/>
+              <a:rPr lang="en-US"/>
               <a:t>Third level</a:t>
             </a:r>
           </a:p>
           <a:p>
             <a:pPr lvl="3"/>
             <a:r>
-              <a:rPr lang="en-US" smtClean="0"/>
+              <a:rPr lang="en-US"/>
               <a:t>Fourth level</a:t>
             </a:r>
           </a:p>
           <a:p>
             <a:pPr lvl="4"/>
             <a:r>
-              <a:rPr lang="en-US" smtClean="0"/>
+              <a:rPr lang="en-US"/>
               <a:t>Fifth level</a:t>
             </a:r>
             <a:endParaRPr lang="en-US" dirty="0"/>
@@ -1766,7 +1766,7 @@
           </a:lstStyle>
           <a:p>
             <a:r>
-              <a:rPr lang="en-US" smtClean="0"/>
+              <a:rPr lang="en-US"/>
               <a:t>Click to edit Master title style</a:t>
             </a:r>
             <a:endParaRPr lang="en-US" dirty="0"/>
@@ -1847,7 +1847,7 @@
           <a:p>
             <a:pPr lvl="0"/>
             <a:r>
-              <a:rPr lang="en-US" smtClean="0"/>
+              <a:rPr lang="en-US"/>
               <a:t>Click to edit Master text styles</a:t>
             </a:r>
           </a:p>
@@ -1911,35 +1911,35 @@
           <a:p>
             <a:pPr lvl="0"/>
             <a:r>
-              <a:rPr lang="en-US" smtClean="0"/>
+              <a:rPr lang="en-US"/>
               <a:t>Click to edit Master text styles</a:t>
             </a:r>
           </a:p>
           <a:p>
             <a:pPr lvl="1"/>
             <a:r>
-              <a:rPr lang="en-US" smtClean="0"/>
+              <a:rPr lang="en-US"/>
               <a:t>Second level</a:t>
             </a:r>
           </a:p>
           <a:p>
             <a:pPr lvl="2"/>
             <a:r>
-              <a:rPr lang="en-US" smtClean="0"/>
+              <a:rPr lang="en-US"/>
               <a:t>Third level</a:t>
             </a:r>
           </a:p>
           <a:p>
             <a:pPr lvl="3"/>
             <a:r>
-              <a:rPr lang="en-US" smtClean="0"/>
+              <a:rPr lang="en-US"/>
               <a:t>Fourth level</a:t>
             </a:r>
           </a:p>
           <a:p>
             <a:pPr lvl="4"/>
             <a:r>
-              <a:rPr lang="en-US" smtClean="0"/>
+              <a:rPr lang="en-US"/>
               <a:t>Fifth level</a:t>
             </a:r>
             <a:endParaRPr lang="en-US" dirty="0"/>
@@ -2020,7 +2020,7 @@
           <a:p>
             <a:pPr lvl="0"/>
             <a:r>
-              <a:rPr lang="en-US" smtClean="0"/>
+              <a:rPr lang="en-US"/>
               <a:t>Click to edit Master text styles</a:t>
             </a:r>
           </a:p>
@@ -2084,35 +2084,35 @@
           <a:p>
             <a:pPr lvl="0"/>
             <a:r>
-              <a:rPr lang="en-US" smtClean="0"/>
+              <a:rPr lang="en-US"/>
               <a:t>Click to edit Master text styles</a:t>
             </a:r>
           </a:p>
           <a:p>
             <a:pPr lvl="1"/>
             <a:r>
-              <a:rPr lang="en-US" smtClean="0"/>
+              <a:rPr lang="en-US"/>
               <a:t>Second level</a:t>
             </a:r>
           </a:p>
           <a:p>
             <a:pPr lvl="2"/>
             <a:r>
-              <a:rPr lang="en-US" smtClean="0"/>
+              <a:rPr lang="en-US"/>
               <a:t>Third level</a:t>
             </a:r>
           </a:p>
           <a:p>
             <a:pPr lvl="3"/>
             <a:r>
-              <a:rPr lang="en-US" smtClean="0"/>
+              <a:rPr lang="en-US"/>
               <a:t>Fourth level</a:t>
             </a:r>
           </a:p>
           <a:p>
             <a:pPr lvl="4"/>
             <a:r>
-              <a:rPr lang="en-US" smtClean="0"/>
+              <a:rPr lang="en-US"/>
               <a:t>Fifth level</a:t>
             </a:r>
             <a:endParaRPr lang="en-US" dirty="0"/>
@@ -2230,7 +2230,7 @@
           <a:lstStyle/>
           <a:p>
             <a:r>
-              <a:rPr lang="en-US" smtClean="0"/>
+              <a:rPr lang="en-US"/>
               <a:t>Click to edit Master title style</a:t>
             </a:r>
             <a:endParaRPr lang="en-US" dirty="0"/>
@@ -2499,7 +2499,7 @@
           </a:lstStyle>
           <a:p>
             <a:r>
-              <a:rPr lang="en-US" smtClean="0"/>
+              <a:rPr lang="en-US"/>
               <a:t>Click to edit Master title style</a:t>
             </a:r>
             <a:endParaRPr lang="en-US" dirty="0"/>
@@ -2556,35 +2556,35 @@
           <a:p>
             <a:pPr lvl="0"/>
             <a:r>
-              <a:rPr lang="en-US" smtClean="0"/>
+              <a:rPr lang="en-US"/>
               <a:t>Click to edit Master text styles</a:t>
             </a:r>
           </a:p>
           <a:p>
             <a:pPr lvl="1"/>
             <a:r>
-              <a:rPr lang="en-US" smtClean="0"/>
+              <a:rPr lang="en-US"/>
               <a:t>Second level</a:t>
             </a:r>
           </a:p>
           <a:p>
             <a:pPr lvl="2"/>
             <a:r>
-              <a:rPr lang="en-US" smtClean="0"/>
+              <a:rPr lang="en-US"/>
               <a:t>Third level</a:t>
             </a:r>
           </a:p>
           <a:p>
             <a:pPr lvl="3"/>
             <a:r>
-              <a:rPr lang="en-US" smtClean="0"/>
+              <a:rPr lang="en-US"/>
               <a:t>Fourth level</a:t>
             </a:r>
           </a:p>
           <a:p>
             <a:pPr lvl="4"/>
             <a:r>
-              <a:rPr lang="en-US" smtClean="0"/>
+              <a:rPr lang="en-US"/>
               <a:t>Fifth level</a:t>
             </a:r>
             <a:endParaRPr lang="en-US" dirty="0"/>
@@ -2659,7 +2659,7 @@
           <a:p>
             <a:pPr lvl="0"/>
             <a:r>
-              <a:rPr lang="en-US" smtClean="0"/>
+              <a:rPr lang="en-US"/>
               <a:t>Click to edit Master text styles</a:t>
             </a:r>
           </a:p>
@@ -2905,7 +2905,7 @@
           </a:lstStyle>
           <a:p>
             <a:r>
-              <a:rPr lang="en-US" smtClean="0"/>
+              <a:rPr lang="en-US"/>
               <a:t>Click to edit Master title style</a:t>
             </a:r>
             <a:endParaRPr lang="en-US" dirty="0"/>
@@ -2972,7 +2972,7 @@
           </a:lstStyle>
           <a:p>
             <a:r>
-              <a:rPr lang="en-US" smtClean="0"/>
+              <a:rPr lang="en-US"/>
               <a:t>Click icon to add picture</a:t>
             </a:r>
             <a:endParaRPr lang="en-US" dirty="0"/>
@@ -3047,7 +3047,7 @@
           <a:p>
             <a:pPr lvl="0"/>
             <a:r>
-              <a:rPr lang="en-US" smtClean="0"/>
+              <a:rPr lang="en-US"/>
               <a:t>Click to edit Master text styles</a:t>
             </a:r>
           </a:p>
@@ -3259,7 +3259,7 @@
           <a:lstStyle/>
           <a:p>
             <a:r>
-              <a:rPr lang="en-US" smtClean="0"/>
+              <a:rPr lang="en-US"/>
               <a:t>Click to edit Master title style</a:t>
             </a:r>
             <a:endParaRPr lang="en-US" dirty="0"/>
@@ -3293,35 +3293,35 @@
           <a:p>
             <a:pPr lvl="0"/>
             <a:r>
-              <a:rPr lang="en-US" smtClean="0"/>
+              <a:rPr lang="en-US"/>
               <a:t>Click to edit Master text styles</a:t>
             </a:r>
           </a:p>
           <a:p>
             <a:pPr lvl="1"/>
             <a:r>
-              <a:rPr lang="en-US" smtClean="0"/>
+              <a:rPr lang="en-US"/>
               <a:t>Second level</a:t>
             </a:r>
           </a:p>
           <a:p>
             <a:pPr lvl="2"/>
             <a:r>
-              <a:rPr lang="en-US" smtClean="0"/>
+              <a:rPr lang="en-US"/>
               <a:t>Third level</a:t>
             </a:r>
           </a:p>
           <a:p>
             <a:pPr lvl="3"/>
             <a:r>
-              <a:rPr lang="en-US" smtClean="0"/>
+              <a:rPr lang="en-US"/>
               <a:t>Fourth level</a:t>
             </a:r>
           </a:p>
           <a:p>
             <a:pPr lvl="4"/>
             <a:r>
-              <a:rPr lang="en-US" smtClean="0"/>
+              <a:rPr lang="en-US"/>
               <a:t>Fifth level</a:t>
             </a:r>
             <a:endParaRPr lang="en-US" dirty="0"/>
@@ -3889,14 +3889,11 @@
           <a:lstStyle/>
           <a:p>
             <a:r>
-              <a:rPr lang="en-GB" dirty="0" smtClean="0">
+              <a:rPr lang="en-GB" dirty="0">
                 <a:latin typeface="AR JULIAN" panose="02000000000000000000" pitchFamily="2" charset="0"/>
               </a:rPr>
               <a:t>E-health</a:t>
             </a:r>
-            <a:endParaRPr lang="en-GB" dirty="0">
-              <a:latin typeface="AR JULIAN" panose="02000000000000000000" pitchFamily="2" charset="0"/>
-            </a:endParaRPr>
           </a:p>
         </p:txBody>
       </p:sp>
@@ -3946,14 +3943,11 @@
           <a:lstStyle/>
           <a:p>
             <a:r>
-              <a:rPr lang="en-GB" dirty="0" smtClean="0">
+              <a:rPr lang="en-GB" dirty="0">
                 <a:latin typeface="AR JULIAN" panose="02000000000000000000" pitchFamily="2" charset="0"/>
               </a:rPr>
               <a:t>E-r diagram</a:t>
             </a:r>
-            <a:endParaRPr lang="en-GB" dirty="0">
-              <a:latin typeface="AR JULIAN" panose="02000000000000000000" pitchFamily="2" charset="0"/>
-            </a:endParaRPr>
           </a:p>
         </p:txBody>
       </p:sp>
@@ -4062,14 +4056,11 @@
           <a:lstStyle/>
           <a:p>
             <a:r>
-              <a:rPr lang="en-GB" dirty="0" smtClean="0">
+              <a:rPr lang="en-GB" dirty="0">
                 <a:latin typeface="AR JULIAN" panose="02000000000000000000" pitchFamily="2" charset="0"/>
               </a:rPr>
               <a:t>attributes</a:t>
             </a:r>
-            <a:endParaRPr lang="en-GB" dirty="0">
-              <a:latin typeface="AR JULIAN" panose="02000000000000000000" pitchFamily="2" charset="0"/>
-            </a:endParaRPr>
           </a:p>
         </p:txBody>
       </p:sp>
@@ -4129,7 +4120,7 @@
               <a:buNone/>
             </a:pPr>
             <a:r>
-              <a:rPr lang="en-GB" dirty="0" smtClean="0">
+              <a:rPr lang="en-GB" dirty="0">
                 <a:latin typeface="AR JULIAN" panose="02000000000000000000" pitchFamily="2" charset="0"/>
               </a:rPr>
               <a:t>Folder</a:t>
@@ -4137,24 +4128,24 @@
           </a:p>
           <a:p>
             <a:r>
-              <a:rPr lang="en-GB" dirty="0" smtClean="0">
+              <a:rPr lang="en-GB" dirty="0">
                 <a:latin typeface="AR JULIAN" panose="02000000000000000000" pitchFamily="2" charset="0"/>
               </a:rPr>
               <a:t>Integer </a:t>
             </a:r>
             <a:r>
-              <a:rPr lang="en-GB" dirty="0" err="1" smtClean="0">
+              <a:rPr lang="en-GB" dirty="0" err="1">
                 <a:latin typeface="AR JULIAN" panose="02000000000000000000" pitchFamily="2" charset="0"/>
               </a:rPr>
               <a:t>user_id</a:t>
             </a:r>
-            <a:endParaRPr lang="en-GB" dirty="0" smtClean="0">
+            <a:endParaRPr lang="en-GB" dirty="0">
               <a:latin typeface="AR JULIAN" panose="02000000000000000000" pitchFamily="2" charset="0"/>
             </a:endParaRPr>
           </a:p>
           <a:p>
             <a:r>
-              <a:rPr lang="en-GB" dirty="0" smtClean="0">
+              <a:rPr lang="en-GB" dirty="0">
                 <a:latin typeface="AR JULIAN" panose="02000000000000000000" pitchFamily="2" charset="0"/>
               </a:rPr>
               <a:t>String name</a:t>
@@ -4162,14 +4153,11 @@
           </a:p>
           <a:p>
             <a:r>
-              <a:rPr lang="en-GB" dirty="0" smtClean="0">
+              <a:rPr lang="en-GB" dirty="0">
                 <a:latin typeface="AR JULIAN" panose="02000000000000000000" pitchFamily="2" charset="0"/>
               </a:rPr>
               <a:t>Boolean public</a:t>
             </a:r>
-            <a:endParaRPr lang="en-GB" dirty="0">
-              <a:latin typeface="AR JULIAN" panose="02000000000000000000" pitchFamily="2" charset="0"/>
-            </a:endParaRPr>
           </a:p>
         </p:txBody>
       </p:sp>
@@ -4390,7 +4378,7 @@
               <a:buNone/>
             </a:pPr>
             <a:r>
-              <a:rPr lang="en-GB" dirty="0" smtClean="0">
+              <a:rPr lang="en-GB" dirty="0">
                 <a:latin typeface="AR JULIAN" panose="02000000000000000000" pitchFamily="2" charset="0"/>
               </a:rPr>
               <a:t>User</a:t>
@@ -4398,7 +4386,7 @@
           </a:p>
           <a:p>
             <a:r>
-              <a:rPr lang="en-GB" dirty="0" smtClean="0">
+              <a:rPr lang="en-GB" dirty="0">
                 <a:latin typeface="AR JULIAN" panose="02000000000000000000" pitchFamily="2" charset="0"/>
               </a:rPr>
               <a:t>String forename</a:t>
@@ -4406,7 +4394,7 @@
           </a:p>
           <a:p>
             <a:r>
-              <a:rPr lang="en-GB" dirty="0" smtClean="0">
+              <a:rPr lang="en-GB" dirty="0">
                 <a:latin typeface="AR JULIAN" panose="02000000000000000000" pitchFamily="2" charset="0"/>
               </a:rPr>
               <a:t>String surname</a:t>
@@ -4414,7 +4402,7 @@
           </a:p>
           <a:p>
             <a:r>
-              <a:rPr lang="en-GB" dirty="0" smtClean="0">
+              <a:rPr lang="en-GB" dirty="0">
                 <a:latin typeface="AR JULIAN" panose="02000000000000000000" pitchFamily="2" charset="0"/>
               </a:rPr>
               <a:t>String e-mail</a:t>
@@ -4422,7 +4410,7 @@
           </a:p>
           <a:p>
             <a:r>
-              <a:rPr lang="en-GB" dirty="0" smtClean="0">
+              <a:rPr lang="en-GB" dirty="0">
                 <a:latin typeface="AR JULIAN" panose="02000000000000000000" pitchFamily="2" charset="0"/>
               </a:rPr>
               <a:t>String username</a:t>
@@ -4430,7 +4418,7 @@
           </a:p>
           <a:p>
             <a:r>
-              <a:rPr lang="en-GB" dirty="0" smtClean="0">
+              <a:rPr lang="en-GB" dirty="0">
                 <a:latin typeface="AR JULIAN" panose="02000000000000000000" pitchFamily="2" charset="0"/>
               </a:rPr>
               <a:t>String password</a:t>
@@ -4655,7 +4643,7 @@
               <a:buNone/>
             </a:pPr>
             <a:r>
-              <a:rPr lang="en-GB" dirty="0" smtClean="0">
+              <a:rPr lang="en-GB" dirty="0">
                 <a:latin typeface="AR JULIAN" panose="02000000000000000000" pitchFamily="2" charset="0"/>
               </a:rPr>
               <a:t>Category</a:t>
@@ -4663,14 +4651,11 @@
           </a:p>
           <a:p>
             <a:r>
-              <a:rPr lang="en-GB" dirty="0" smtClean="0">
+              <a:rPr lang="en-GB" dirty="0">
                 <a:latin typeface="AR JULIAN" panose="02000000000000000000" pitchFamily="2" charset="0"/>
               </a:rPr>
               <a:t>String name</a:t>
             </a:r>
-            <a:endParaRPr lang="en-GB" dirty="0">
-              <a:latin typeface="AR JULIAN" panose="02000000000000000000" pitchFamily="2" charset="0"/>
-            </a:endParaRPr>
           </a:p>
         </p:txBody>
       </p:sp>
@@ -4891,7 +4876,7 @@
               <a:buNone/>
             </a:pPr>
             <a:r>
-              <a:rPr lang="en-GB" sz="2400" dirty="0" smtClean="0">
+              <a:rPr lang="en-GB" sz="2400" dirty="0">
                 <a:latin typeface="AR JULIAN" panose="02000000000000000000" pitchFamily="2" charset="0"/>
               </a:rPr>
               <a:t>Page</a:t>
@@ -4899,7 +4884,7 @@
           </a:p>
           <a:p>
             <a:r>
-              <a:rPr lang="en-GB" sz="2400" dirty="0" smtClean="0">
+              <a:rPr lang="en-GB" sz="2400" dirty="0">
                 <a:latin typeface="AR JULIAN" panose="02000000000000000000" pitchFamily="2" charset="0"/>
               </a:rPr>
               <a:t>String title</a:t>
@@ -4907,7 +4892,7 @@
           </a:p>
           <a:p>
             <a:r>
-              <a:rPr lang="en-GB" sz="2400" dirty="0" smtClean="0">
+              <a:rPr lang="en-GB" sz="2400" dirty="0">
                 <a:latin typeface="AR JULIAN" panose="02000000000000000000" pitchFamily="2" charset="0"/>
               </a:rPr>
               <a:t>String summary</a:t>
@@ -4915,7 +4900,7 @@
           </a:p>
           <a:p>
             <a:r>
-              <a:rPr lang="en-GB" sz="2400" dirty="0" smtClean="0">
+              <a:rPr lang="en-GB" sz="2400" dirty="0">
                 <a:latin typeface="AR JULIAN" panose="02000000000000000000" pitchFamily="2" charset="0"/>
               </a:rPr>
               <a:t>String source</a:t>
@@ -4923,82 +4908,79 @@
           </a:p>
           <a:p>
             <a:r>
-              <a:rPr lang="en-GB" sz="2400" dirty="0" smtClean="0">
+              <a:rPr lang="en-GB" sz="2400" dirty="0">
                 <a:latin typeface="AR JULIAN" panose="02000000000000000000" pitchFamily="2" charset="0"/>
               </a:rPr>
               <a:t>String </a:t>
             </a:r>
             <a:r>
-              <a:rPr lang="en-GB" sz="2400" dirty="0" err="1" smtClean="0">
+              <a:rPr lang="en-GB" sz="2400" dirty="0" err="1">
                 <a:latin typeface="AR JULIAN" panose="02000000000000000000" pitchFamily="2" charset="0"/>
               </a:rPr>
               <a:t>url</a:t>
             </a:r>
-            <a:endParaRPr lang="en-GB" sz="2400" dirty="0" smtClean="0">
+            <a:endParaRPr lang="en-GB" sz="2400" dirty="0">
               <a:latin typeface="AR JULIAN" panose="02000000000000000000" pitchFamily="2" charset="0"/>
             </a:endParaRPr>
           </a:p>
           <a:p>
             <a:r>
-              <a:rPr lang="en-GB" sz="2400" dirty="0" smtClean="0">
+              <a:rPr lang="en-GB" sz="2400" dirty="0">
                 <a:latin typeface="AR JULIAN" panose="02000000000000000000" pitchFamily="2" charset="0"/>
               </a:rPr>
               <a:t>Integer </a:t>
             </a:r>
             <a:r>
-              <a:rPr lang="en-GB" sz="2400" dirty="0" err="1" smtClean="0">
+              <a:rPr lang="en-GB" sz="2400" dirty="0" err="1">
                 <a:latin typeface="AR JULIAN" panose="02000000000000000000" pitchFamily="2" charset="0"/>
               </a:rPr>
               <a:t>readingScore</a:t>
             </a:r>
-            <a:endParaRPr lang="en-GB" sz="2400" dirty="0" smtClean="0">
+            <a:endParaRPr lang="en-GB" sz="2400" dirty="0">
               <a:latin typeface="AR JULIAN" panose="02000000000000000000" pitchFamily="2" charset="0"/>
             </a:endParaRPr>
           </a:p>
           <a:p>
             <a:r>
-              <a:rPr lang="en-GB" sz="2400" dirty="0" smtClean="0">
+              <a:rPr lang="en-GB" sz="2400" dirty="0">
                 <a:latin typeface="AR JULIAN" panose="02000000000000000000" pitchFamily="2" charset="0"/>
               </a:rPr>
               <a:t>Integer </a:t>
             </a:r>
             <a:r>
-              <a:rPr lang="en-GB" sz="2400" dirty="0" err="1" smtClean="0">
+              <a:rPr lang="en-GB" sz="2400" dirty="0" err="1">
                 <a:latin typeface="AR JULIAN" panose="02000000000000000000" pitchFamily="2" charset="0"/>
               </a:rPr>
               <a:t>sentimentScore</a:t>
             </a:r>
-            <a:endParaRPr lang="en-GB" sz="2400" dirty="0" smtClean="0">
+            <a:endParaRPr lang="en-GB" sz="2400" dirty="0">
               <a:latin typeface="AR JULIAN" panose="02000000000000000000" pitchFamily="2" charset="0"/>
             </a:endParaRPr>
           </a:p>
           <a:p>
             <a:r>
-              <a:rPr lang="en-GB" sz="2400" dirty="0" smtClean="0">
+              <a:rPr lang="en-GB" sz="2400" dirty="0">
                 <a:latin typeface="AR JULIAN" panose="02000000000000000000" pitchFamily="2" charset="0"/>
               </a:rPr>
               <a:t>Integer </a:t>
             </a:r>
             <a:r>
-              <a:rPr lang="en-GB" sz="2400" dirty="0" err="1" smtClean="0">
+              <a:rPr lang="en-GB" sz="2400" dirty="0" err="1">
                 <a:latin typeface="AR JULIAN" panose="02000000000000000000" pitchFamily="2" charset="0"/>
               </a:rPr>
               <a:t>subjectivityScore</a:t>
             </a:r>
-            <a:endParaRPr lang="en-GB" sz="2400" dirty="0" smtClean="0">
+            <a:endParaRPr lang="en-GB" sz="2400" dirty="0">
               <a:latin typeface="AR JULIAN" panose="02000000000000000000" pitchFamily="2" charset="0"/>
             </a:endParaRPr>
           </a:p>
           <a:p>
             <a:r>
-              <a:rPr lang="en-GB" sz="2400" dirty="0" smtClean="0">
+              <a:rPr lang="en-GB" sz="2400" dirty="0">
                 <a:latin typeface="AR JULIAN" panose="02000000000000000000" pitchFamily="2" charset="0"/>
               </a:rPr>
               <a:t>Integer saves</a:t>
             </a:r>
-            <a:endParaRPr lang="en-GB" sz="2400" dirty="0">
-              <a:latin typeface="AR JULIAN" panose="02000000000000000000" pitchFamily="2" charset="0"/>
-            </a:endParaRPr>
           </a:p>
         </p:txBody>
       </p:sp>
@@ -5219,7 +5201,7 @@
               <a:buNone/>
             </a:pPr>
             <a:r>
-              <a:rPr lang="en-GB" dirty="0" smtClean="0">
+              <a:rPr lang="en-GB" dirty="0">
                 <a:latin typeface="AR JULIAN" panose="02000000000000000000" pitchFamily="2" charset="0"/>
               </a:rPr>
               <a:t>Query</a:t>
@@ -5227,7 +5209,7 @@
           </a:p>
           <a:p>
             <a:r>
-              <a:rPr lang="en-GB" dirty="0" smtClean="0">
+              <a:rPr lang="en-GB" dirty="0">
                 <a:latin typeface="AR JULIAN" panose="02000000000000000000" pitchFamily="2" charset="0"/>
               </a:rPr>
               <a:t>String content</a:t>
@@ -5235,14 +5217,11 @@
           </a:p>
           <a:p>
             <a:r>
-              <a:rPr lang="en-GB" dirty="0" smtClean="0">
+              <a:rPr lang="en-GB" dirty="0">
                 <a:latin typeface="AR JULIAN" panose="02000000000000000000" pitchFamily="2" charset="0"/>
               </a:rPr>
               <a:t>long timestamp</a:t>
             </a:r>
-            <a:endParaRPr lang="en-GB" dirty="0">
-              <a:latin typeface="AR JULIAN" panose="02000000000000000000" pitchFamily="2" charset="0"/>
-            </a:endParaRPr>
           </a:p>
         </p:txBody>
       </p:sp>
@@ -5297,14 +5276,11 @@
           <a:lstStyle/>
           <a:p>
             <a:r>
-              <a:rPr lang="en-GB" dirty="0" smtClean="0">
+              <a:rPr lang="en-GB" dirty="0">
                 <a:latin typeface="AR JULIAN" panose="02000000000000000000" pitchFamily="2" charset="0"/>
               </a:rPr>
               <a:t>wireframes</a:t>
             </a:r>
-            <a:endParaRPr lang="en-GB" dirty="0">
-              <a:latin typeface="AR JULIAN" panose="02000000000000000000" pitchFamily="2" charset="0"/>
-            </a:endParaRPr>
           </a:p>
         </p:txBody>
       </p:sp>
@@ -5656,7 +5632,7 @@
           <a:lstStyle/>
           <a:p>
             <a:r>
-              <a:rPr lang="en-GB" sz="3600" dirty="0" smtClean="0">
+              <a:rPr lang="en-GB" sz="3600" dirty="0">
                 <a:latin typeface="AR JULIAN" panose="02000000000000000000" pitchFamily="2" charset="0"/>
               </a:rPr>
               <a:t>Our business</a:t>
@@ -5664,7 +5640,7 @@
           </a:p>
           <a:p>
             <a:r>
-              <a:rPr lang="en-GB" sz="3600" dirty="0" smtClean="0">
+              <a:rPr lang="en-GB" sz="3600" dirty="0">
                 <a:latin typeface="AR JULIAN" panose="02000000000000000000" pitchFamily="2" charset="0"/>
               </a:rPr>
               <a:t>Our website</a:t>
@@ -5672,7 +5648,7 @@
           </a:p>
           <a:p>
             <a:r>
-              <a:rPr lang="en-GB" sz="3600" dirty="0" smtClean="0">
+              <a:rPr lang="en-GB" sz="3600" dirty="0">
                 <a:latin typeface="AR JULIAN" panose="02000000000000000000" pitchFamily="2" charset="0"/>
               </a:rPr>
               <a:t>Our users</a:t>
@@ -5680,7 +5656,7 @@
           </a:p>
           <a:p>
             <a:r>
-              <a:rPr lang="en-GB" sz="3600" dirty="0" smtClean="0">
+              <a:rPr lang="en-GB" sz="3600" dirty="0">
                 <a:latin typeface="AR JULIAN" panose="02000000000000000000" pitchFamily="2" charset="0"/>
               </a:rPr>
               <a:t>Website activities and objectives</a:t>
@@ -6244,36 +6220,33 @@
           <a:lstStyle/>
           <a:p>
             <a:r>
-              <a:rPr lang="en-GB" dirty="0" smtClean="0">
+              <a:rPr lang="en-GB" dirty="0">
                 <a:latin typeface="AR JULIAN" panose="02000000000000000000" pitchFamily="2" charset="0"/>
               </a:rPr>
               <a:t>Thank you </a:t>
             </a:r>
             <a:br>
-              <a:rPr lang="en-GB" dirty="0" smtClean="0">
+              <a:rPr lang="en-GB" dirty="0">
                 <a:latin typeface="AR JULIAN" panose="02000000000000000000" pitchFamily="2" charset="0"/>
               </a:rPr>
             </a:br>
             <a:r>
-              <a:rPr lang="en-GB" dirty="0" smtClean="0">
+              <a:rPr lang="en-GB" dirty="0">
                 <a:latin typeface="AR JULIAN" panose="02000000000000000000" pitchFamily="2" charset="0"/>
               </a:rPr>
               <a:t>for</a:t>
             </a:r>
             <a:br>
-              <a:rPr lang="en-GB" dirty="0" smtClean="0">
+              <a:rPr lang="en-GB" dirty="0">
                 <a:latin typeface="AR JULIAN" panose="02000000000000000000" pitchFamily="2" charset="0"/>
               </a:rPr>
             </a:br>
             <a:r>
-              <a:rPr lang="en-GB" dirty="0" smtClean="0">
+              <a:rPr lang="en-GB" dirty="0">
                 <a:latin typeface="AR JULIAN" panose="02000000000000000000" pitchFamily="2" charset="0"/>
               </a:rPr>
               <a:t>your attention!</a:t>
             </a:r>
-            <a:endParaRPr lang="en-GB" dirty="0">
-              <a:latin typeface="AR JULIAN" panose="02000000000000000000" pitchFamily="2" charset="0"/>
-            </a:endParaRPr>
           </a:p>
         </p:txBody>
       </p:sp>
@@ -6323,14 +6296,11 @@
           <a:lstStyle/>
           <a:p>
             <a:r>
-              <a:rPr lang="en-GB" dirty="0" smtClean="0">
+              <a:rPr lang="en-GB" dirty="0">
                 <a:latin typeface="AR JULIAN" panose="02000000000000000000" pitchFamily="2" charset="0"/>
               </a:rPr>
               <a:t>Personas</a:t>
             </a:r>
-            <a:endParaRPr lang="en-GB" dirty="0">
-              <a:latin typeface="AR JULIAN" panose="02000000000000000000" pitchFamily="2" charset="0"/>
-            </a:endParaRPr>
           </a:p>
         </p:txBody>
       </p:sp>
@@ -6386,14 +6356,11 @@
           <a:p>
             <a:pPr algn="ctr"/>
             <a:r>
-              <a:rPr lang="en-GB" dirty="0" smtClean="0">
+              <a:rPr lang="en-GB" dirty="0">
                 <a:latin typeface="AR JULIAN" panose="02000000000000000000" pitchFamily="2" charset="0"/>
               </a:rPr>
               <a:t>Tom</a:t>
             </a:r>
-            <a:endParaRPr lang="en-GB" dirty="0">
-              <a:latin typeface="AR JULIAN" panose="02000000000000000000" pitchFamily="2" charset="0"/>
-            </a:endParaRPr>
           </a:p>
         </p:txBody>
       </p:sp>
@@ -6453,14 +6420,11 @@
           </a:p>
           <a:p>
             <a:r>
-              <a:rPr lang="en-GB" dirty="0" smtClean="0">
+              <a:rPr lang="en-GB" dirty="0">
                 <a:latin typeface="AR JULIAN" panose="02000000000000000000" pitchFamily="2" charset="0"/>
               </a:rPr>
               <a:t>student</a:t>
             </a:r>
-            <a:endParaRPr lang="en-GB" dirty="0">
-              <a:latin typeface="AR JULIAN" panose="02000000000000000000" pitchFamily="2" charset="0"/>
-            </a:endParaRPr>
           </a:p>
           <a:p>
             <a:endParaRPr lang="en-GB" dirty="0"/>
@@ -6486,7 +6450,7 @@
         </p:spPr>
         <p:txBody>
           <a:bodyPr vert="horz" lIns="91440" tIns="45720" rIns="91440" bIns="45720" rtlCol="0">
-            <a:normAutofit fontScale="92500" lnSpcReduction="10000"/>
+            <a:normAutofit fontScale="92500"/>
           </a:bodyPr>
           <a:lstStyle>
             <a:lvl1pPr marL="384048" indent="-384048" algn="l" defTabSz="914400" rtl="0" eaLnBrk="1" latinLnBrk="0" hangingPunct="1">
@@ -6684,130 +6648,34 @@
               <a:buNone/>
             </a:pPr>
             <a:r>
-              <a:rPr lang="en-GB" sz="2200" dirty="0" smtClean="0">
-                <a:latin typeface="AR JULIAN" panose="02000000000000000000" pitchFamily="2" charset="0"/>
-              </a:rPr>
-              <a:t>Tom </a:t>
-            </a:r>
-            <a:r>
               <a:rPr lang="en-GB" sz="2200" dirty="0">
                 <a:latin typeface="AR JULIAN" panose="02000000000000000000" pitchFamily="2" charset="0"/>
               </a:rPr>
-              <a:t>has high temperature and very bad cough. </a:t>
-            </a:r>
-            <a:r>
-              <a:rPr lang="en-GB" sz="2200" dirty="0" smtClean="0">
+              <a:t>Tom has high temperature and very bad cough. He wants to find out what is likely to be his condition. He heard about e-health at work and decided to register and search for his symptoms. E-health gives back articles from </a:t>
+            </a:r>
+            <a:r>
+              <a:rPr lang="en-GB" sz="2200" dirty="0" err="1">
                 <a:latin typeface="AR JULIAN" panose="02000000000000000000" pitchFamily="2" charset="0"/>
               </a:rPr>
-              <a:t>He </a:t>
+              <a:t>healthfinder</a:t>
             </a:r>
             <a:r>
               <a:rPr lang="en-GB" sz="2200" dirty="0">
                 <a:latin typeface="AR JULIAN" panose="02000000000000000000" pitchFamily="2" charset="0"/>
               </a:rPr>
-              <a:t>wants to find out what is likely to be </a:t>
-            </a:r>
-            <a:r>
-              <a:rPr lang="en-GB" sz="2200" dirty="0" smtClean="0">
-                <a:latin typeface="AR JULIAN" panose="02000000000000000000" pitchFamily="2" charset="0"/>
-              </a:rPr>
-              <a:t>his condition</a:t>
-            </a:r>
-            <a:r>
-              <a:rPr lang="en-GB" sz="2200" dirty="0">
-                <a:latin typeface="AR JULIAN" panose="02000000000000000000" pitchFamily="2" charset="0"/>
-              </a:rPr>
-              <a:t>. He heard about e-health at work </a:t>
-            </a:r>
-            <a:r>
-              <a:rPr lang="en-GB" sz="2200" dirty="0" smtClean="0">
-                <a:latin typeface="AR JULIAN" panose="02000000000000000000" pitchFamily="2" charset="0"/>
-              </a:rPr>
-              <a:t>and decided </a:t>
-            </a:r>
-            <a:r>
-              <a:rPr lang="en-GB" sz="2200" dirty="0">
-                <a:latin typeface="AR JULIAN" panose="02000000000000000000" pitchFamily="2" charset="0"/>
-              </a:rPr>
-              <a:t>to register and search for his symptoms. </a:t>
-            </a:r>
-            <a:r>
-              <a:rPr lang="en-GB" sz="2200" dirty="0" smtClean="0">
-                <a:latin typeface="AR JULIAN" panose="02000000000000000000" pitchFamily="2" charset="0"/>
-              </a:rPr>
-              <a:t>E-health </a:t>
-            </a:r>
-            <a:r>
-              <a:rPr lang="en-GB" sz="2200" dirty="0">
-                <a:latin typeface="AR JULIAN" panose="02000000000000000000" pitchFamily="2" charset="0"/>
-              </a:rPr>
-              <a:t>gives back articles from </a:t>
-            </a:r>
-            <a:r>
-              <a:rPr lang="en-GB" sz="2200" dirty="0" err="1" smtClean="0">
-                <a:latin typeface="AR JULIAN" panose="02000000000000000000" pitchFamily="2" charset="0"/>
-              </a:rPr>
-              <a:t>healthfinder</a:t>
-            </a:r>
-            <a:r>
-              <a:rPr lang="en-GB" sz="2200" dirty="0" smtClean="0">
-                <a:latin typeface="AR JULIAN" panose="02000000000000000000" pitchFamily="2" charset="0"/>
-              </a:rPr>
-              <a:t>, MedlinePlus </a:t>
-            </a:r>
-            <a:r>
-              <a:rPr lang="en-GB" sz="2200" dirty="0">
-                <a:latin typeface="AR JULIAN" panose="02000000000000000000" pitchFamily="2" charset="0"/>
-              </a:rPr>
-              <a:t>and Bing. The article </a:t>
-            </a:r>
-            <a:r>
-              <a:rPr lang="en-GB" sz="2200" dirty="0" smtClean="0">
-                <a:latin typeface="AR JULIAN" panose="02000000000000000000" pitchFamily="2" charset="0"/>
-              </a:rPr>
-              <a:t>from MedlinePlus </a:t>
-            </a:r>
-            <a:r>
-              <a:rPr lang="en-GB" sz="2200" dirty="0">
-                <a:latin typeface="AR JULIAN" panose="02000000000000000000" pitchFamily="2" charset="0"/>
-              </a:rPr>
-              <a:t>say that those symptoms are </a:t>
-            </a:r>
-            <a:r>
-              <a:rPr lang="en-GB" sz="2200" dirty="0" smtClean="0">
-                <a:latin typeface="AR JULIAN" panose="02000000000000000000" pitchFamily="2" charset="0"/>
-              </a:rPr>
-              <a:t>likely to </a:t>
-            </a:r>
-            <a:r>
-              <a:rPr lang="en-GB" sz="2200" dirty="0">
-                <a:latin typeface="AR JULIAN" panose="02000000000000000000" pitchFamily="2" charset="0"/>
-              </a:rPr>
-              <a:t>correspond to flu. The article from Bing is </a:t>
-            </a:r>
-            <a:r>
-              <a:rPr lang="en-GB" sz="2200" dirty="0" smtClean="0">
-                <a:latin typeface="AR JULIAN" panose="02000000000000000000" pitchFamily="2" charset="0"/>
-              </a:rPr>
-              <a:t>on fresher's </a:t>
-            </a:r>
-            <a:r>
-              <a:rPr lang="en-GB" sz="2200" dirty="0">
-                <a:latin typeface="AR JULIAN" panose="02000000000000000000" pitchFamily="2" charset="0"/>
-              </a:rPr>
-              <a:t>flu.</a:t>
+              <a:t>, MedlinePlus and Bing. The article from MedlinePlus say that those symptoms are likely to correspond to flu. The article from Bing is on fresher's flu.</a:t>
             </a:r>
           </a:p>
           <a:p>
             <a:pPr marL="0" indent="0">
               <a:buNone/>
             </a:pPr>
-            <a:endParaRPr lang="en-GB" dirty="0" smtClean="0">
+            <a:endParaRPr lang="en-GB" dirty="0">
               <a:latin typeface="AR JULIAN" panose="02000000000000000000" pitchFamily="2" charset="0"/>
             </a:endParaRPr>
           </a:p>
           <a:p>
-            <a:endParaRPr lang="en-GB" dirty="0" smtClean="0"/>
+            <a:endParaRPr lang="en-GB" dirty="0"/>
           </a:p>
           <a:p>
             <a:endParaRPr lang="en-GB" dirty="0"/>
@@ -6896,14 +6764,11 @@
           <a:p>
             <a:pPr algn="ctr"/>
             <a:r>
-              <a:rPr lang="en-GB" dirty="0" smtClean="0">
+              <a:rPr lang="en-GB" dirty="0">
                 <a:latin typeface="AR JULIAN" panose="02000000000000000000" pitchFamily="2" charset="0"/>
               </a:rPr>
               <a:t>Sara</a:t>
             </a:r>
-            <a:endParaRPr lang="en-GB" dirty="0">
-              <a:latin typeface="AR JULIAN" panose="02000000000000000000" pitchFamily="2" charset="0"/>
-            </a:endParaRPr>
           </a:p>
         </p:txBody>
       </p:sp>
@@ -6963,14 +6828,11 @@
           </a:p>
           <a:p>
             <a:r>
-              <a:rPr lang="en-GB" sz="2100" dirty="0" smtClean="0">
+              <a:rPr lang="en-GB" sz="2100" dirty="0">
                 <a:latin typeface="AR JULIAN" panose="02000000000000000000" pitchFamily="2" charset="0"/>
               </a:rPr>
               <a:t>accountant</a:t>
             </a:r>
-            <a:endParaRPr lang="en-GB" sz="2100" dirty="0">
-              <a:latin typeface="AR JULIAN" panose="02000000000000000000" pitchFamily="2" charset="0"/>
-            </a:endParaRPr>
           </a:p>
         </p:txBody>
       </p:sp>
@@ -6993,7 +6855,7 @@
         </p:spPr>
         <p:txBody>
           <a:bodyPr vert="horz" lIns="91440" tIns="45720" rIns="91440" bIns="45720" rtlCol="0">
-            <a:normAutofit fontScale="92500" lnSpcReduction="10000"/>
+            <a:normAutofit fontScale="92500"/>
           </a:bodyPr>
           <a:lstStyle>
             <a:lvl1pPr marL="384048" indent="-384048" algn="l" defTabSz="914400" rtl="0" eaLnBrk="1" latinLnBrk="0" hangingPunct="1">
@@ -7194,86 +7056,14 @@
               <a:rPr lang="en-GB" sz="2200" dirty="0">
                 <a:latin typeface="AR JULIAN" panose="02000000000000000000" pitchFamily="2" charset="0"/>
               </a:rPr>
-              <a:t>Sara has cancer. She goes on e-health to look for </a:t>
-            </a:r>
-            <a:r>
-              <a:rPr lang="en-GB" sz="2200" dirty="0" smtClean="0">
-                <a:latin typeface="AR JULIAN" panose="02000000000000000000" pitchFamily="2" charset="0"/>
-              </a:rPr>
-              <a:t>motivating </a:t>
-            </a:r>
-            <a:r>
-              <a:rPr lang="en-GB" sz="2200" dirty="0">
-                <a:latin typeface="AR JULIAN" panose="02000000000000000000" pitchFamily="2" charset="0"/>
-              </a:rPr>
-              <a:t>articles so she adjusts the sentiment </a:t>
-            </a:r>
-            <a:r>
-              <a:rPr lang="en-GB" sz="2200" dirty="0" smtClean="0">
-                <a:latin typeface="AR JULIAN" panose="02000000000000000000" pitchFamily="2" charset="0"/>
-              </a:rPr>
-              <a:t> score </a:t>
-            </a:r>
-            <a:r>
-              <a:rPr lang="en-GB" sz="2200" dirty="0">
-                <a:latin typeface="AR JULIAN" panose="02000000000000000000" pitchFamily="2" charset="0"/>
-              </a:rPr>
-              <a:t>to high. She chooses users and reads other </a:t>
-            </a:r>
-            <a:r>
-              <a:rPr lang="en-GB" sz="2200" dirty="0" smtClean="0">
-                <a:latin typeface="AR JULIAN" panose="02000000000000000000" pitchFamily="2" charset="0"/>
-              </a:rPr>
-              <a:t>users</a:t>
-            </a:r>
-            <a:r>
-              <a:rPr lang="en-GB" sz="2200" dirty="0">
-                <a:latin typeface="AR JULIAN" panose="02000000000000000000" pitchFamily="2" charset="0"/>
-              </a:rPr>
-              <a:t>' stories on how they managed with the condition </a:t>
-            </a:r>
-            <a:r>
-              <a:rPr lang="en-GB" sz="2200" dirty="0" smtClean="0">
-                <a:latin typeface="AR JULIAN" panose="02000000000000000000" pitchFamily="2" charset="0"/>
-              </a:rPr>
-              <a:t>and </a:t>
-            </a:r>
-            <a:r>
-              <a:rPr lang="en-GB" sz="2200" dirty="0">
-                <a:latin typeface="AR JULIAN" panose="02000000000000000000" pitchFamily="2" charset="0"/>
-              </a:rPr>
-              <a:t>led a normal life. She found the articles that she </a:t>
-            </a:r>
-            <a:r>
-              <a:rPr lang="en-GB" sz="2200" dirty="0" smtClean="0">
-                <a:latin typeface="AR JULIAN" panose="02000000000000000000" pitchFamily="2" charset="0"/>
-              </a:rPr>
-              <a:t>read very </a:t>
-            </a:r>
-            <a:r>
-              <a:rPr lang="en-GB" sz="2200" dirty="0">
-                <a:latin typeface="AR JULIAN" panose="02000000000000000000" pitchFamily="2" charset="0"/>
-              </a:rPr>
-              <a:t>inspiring so she decided to share it and create a </a:t>
-            </a:r>
-            <a:r>
-              <a:rPr lang="en-GB" sz="2200" dirty="0" smtClean="0">
-                <a:latin typeface="AR JULIAN" panose="02000000000000000000" pitchFamily="2" charset="0"/>
-              </a:rPr>
-              <a:t>new category </a:t>
-            </a:r>
-            <a:r>
-              <a:rPr lang="en-GB" sz="2200" dirty="0">
-                <a:latin typeface="AR JULIAN" panose="02000000000000000000" pitchFamily="2" charset="0"/>
-              </a:rPr>
-              <a:t>to save it for another time.</a:t>
+              <a:t>Sara has cancer. She goes on e-health to look for motivating articles so she adjusts the sentiment  score to high. She chooses users and reads other users' stories on how they managed with the condition and led a normal life. She found the articles that she read very inspiring so she decided to share it and create a new category to save it for another time.</a:t>
             </a:r>
           </a:p>
           <a:p>
             <a:pPr marL="0" indent="0">
               <a:buNone/>
             </a:pPr>
-            <a:endParaRPr lang="en-GB" dirty="0" smtClean="0">
+            <a:endParaRPr lang="en-GB" dirty="0">
               <a:latin typeface="AR JULIAN" panose="02000000000000000000" pitchFamily="2" charset="0"/>
             </a:endParaRPr>
           </a:p>
@@ -7363,25 +7153,22 @@
           <a:lstStyle/>
           <a:p>
             <a:r>
-              <a:rPr lang="en-GB" dirty="0" smtClean="0">
+              <a:rPr lang="en-GB" dirty="0">
                 <a:latin typeface="AR JULIAN" panose="02000000000000000000" pitchFamily="2" charset="0"/>
               </a:rPr>
               <a:t>System</a:t>
             </a:r>
             <a:br>
-              <a:rPr lang="en-GB" dirty="0" smtClean="0">
+              <a:rPr lang="en-GB" dirty="0">
                 <a:latin typeface="AR JULIAN" panose="02000000000000000000" pitchFamily="2" charset="0"/>
               </a:rPr>
             </a:br>
             <a:r>
-              <a:rPr lang="en-GB" dirty="0" smtClean="0">
+              <a:rPr lang="en-GB" dirty="0">
                 <a:latin typeface="AR JULIAN" panose="02000000000000000000" pitchFamily="2" charset="0"/>
               </a:rPr>
               <a:t>architecture</a:t>
             </a:r>
-            <a:endParaRPr lang="en-GB" dirty="0">
-              <a:latin typeface="AR JULIAN" panose="02000000000000000000" pitchFamily="2" charset="0"/>
-            </a:endParaRPr>
           </a:p>
         </p:txBody>
       </p:sp>
@@ -7417,28 +7204,27 @@
       </p:grpSpPr>
       <p:pic>
         <p:nvPicPr>
-          <p:cNvPr id="5" name="Picture 4"/>
+          <p:cNvPr id="2" name="Picture 1"/>
           <p:cNvPicPr>
             <a:picLocks noChangeAspect="1"/>
           </p:cNvPicPr>
           <p:nvPr/>
         </p:nvPicPr>
-        <p:blipFill>
-          <a:blip r:embed="rId2" cstate="print">
+        <p:blipFill rotWithShape="1">
+          <a:blip r:embed="rId2">
             <a:extLst>
               <a:ext uri="{28A0092B-C50C-407E-A947-70E740481C1C}">
                 <a14:useLocalDpi xmlns:a14="http://schemas.microsoft.com/office/drawing/2010/main" val="0"/>
               </a:ext>
             </a:extLst>
           </a:blip>
-          <a:stretch>
-            <a:fillRect/>
-          </a:stretch>
+          <a:srcRect l="7940" r="6970"/>
+          <a:stretch/>
         </p:blipFill>
         <p:spPr>
           <a:xfrm>
-            <a:off x="2417224" y="991094"/>
-            <a:ext cx="7284560" cy="5190249"/>
+            <a:off x="2084832" y="310896"/>
+            <a:ext cx="8558784" cy="6286500"/>
           </a:xfrm>
           <a:prstGeom prst="rect">
             <a:avLst/>
@@ -7497,13 +7283,7 @@
               <a:rPr lang="en-GB" b="1" dirty="0">
                 <a:latin typeface="AR JULIAN" panose="02000000000000000000" pitchFamily="2" charset="0"/>
               </a:rPr>
-              <a:t>Functional </a:t>
-            </a:r>
-            <a:r>
-              <a:rPr lang="en-GB" b="1" dirty="0" smtClean="0">
-                <a:latin typeface="AR JULIAN" panose="02000000000000000000" pitchFamily="2" charset="0"/>
-              </a:rPr>
-              <a:t>Requirements</a:t>
+              <a:t>Functional Requirements</a:t>
             </a:r>
             <a:endParaRPr lang="en-GB" dirty="0">
               <a:latin typeface="AR JULIAN" panose="02000000000000000000" pitchFamily="2" charset="0"/>
@@ -7529,7 +7309,7 @@
         </p:spPr>
         <p:txBody>
           <a:bodyPr>
-            <a:normAutofit fontScale="92500"/>
+            <a:normAutofit/>
           </a:bodyPr>
           <a:lstStyle/>
           <a:p>
@@ -7538,7 +7318,7 @@
               <a:buChar char="q"/>
             </a:pPr>
             <a:r>
-              <a:rPr lang="en-GB" dirty="0" smtClean="0">
+              <a:rPr lang="en-GB" dirty="0">
                 <a:latin typeface="AR JULIAN" panose="02000000000000000000"/>
               </a:rPr>
               <a:t>Register, log in and maintain profile;</a:t>
@@ -7550,7 +7330,7 @@
               <a:buChar char="q"/>
             </a:pPr>
             <a:r>
-              <a:rPr lang="en-GB" dirty="0" smtClean="0">
+              <a:rPr lang="en-GB" dirty="0">
                 <a:latin typeface="AR JULIAN" panose="02000000000000000000"/>
               </a:rPr>
               <a:t>Search in a specific category;</a:t>
@@ -7562,7 +7342,7 @@
               <a:buChar char="q"/>
             </a:pPr>
             <a:r>
-              <a:rPr lang="en-GB" dirty="0" smtClean="0">
+              <a:rPr lang="en-GB" dirty="0">
                 <a:latin typeface="AR JULIAN" panose="02000000000000000000"/>
               </a:rPr>
               <a:t>Filter results based on readability/sentiment/subjectivity score;</a:t>
@@ -7574,7 +7354,7 @@
               <a:buChar char="q"/>
             </a:pPr>
             <a:r>
-              <a:rPr lang="en-GB" dirty="0" smtClean="0">
+              <a:rPr lang="en-GB" dirty="0">
                 <a:latin typeface="AR JULIAN" panose="02000000000000000000"/>
               </a:rPr>
               <a:t>Sort results by source;</a:t>
@@ -7586,7 +7366,7 @@
               <a:buChar char="q"/>
             </a:pPr>
             <a:r>
-              <a:rPr lang="en-GB" dirty="0" smtClean="0">
+              <a:rPr lang="en-GB" dirty="0">
                 <a:latin typeface="AR JULIAN" panose="02000000000000000000"/>
               </a:rPr>
               <a:t>Maintain folders in which to store pages they have found useful;</a:t>
@@ -7598,16 +7378,10 @@
               <a:buChar char="q"/>
             </a:pPr>
             <a:r>
-              <a:rPr lang="en-GB" dirty="0" smtClean="0">
+              <a:rPr lang="en-GB" dirty="0">
                 <a:latin typeface="AR JULIAN" panose="02000000000000000000"/>
               </a:rPr>
               <a:t>View and modify his/her search history;</a:t>
-            </a:r>
-            <a:r>
-              <a:rPr lang="en-GB" dirty="0">
-                <a:latin typeface="AR JULIAN" panose="02000000000000000000"/>
-              </a:rPr>
-              <a:t/>
             </a:r>
             <a:br>
               <a:rPr lang="en-GB" dirty="0">
@@ -7836,12 +7610,8 @@
             <a:pPr marL="0" indent="0">
               <a:buNone/>
             </a:pPr>
-            <a:r>
-              <a:rPr lang="en-GB" dirty="0" smtClean="0"/>
-              <a:t/>
-            </a:r>
             <a:br>
-              <a:rPr lang="en-GB" dirty="0" smtClean="0"/>
+              <a:rPr lang="en-GB" dirty="0"/>
             </a:br>
             <a:endParaRPr lang="en-GB" dirty="0"/>
           </a:p>
@@ -7869,7 +7639,7 @@
           <a:lstStyle/>
           <a:p>
             <a:r>
-              <a:rPr lang="en-GB" dirty="0" smtClean="0">
+              <a:rPr lang="en-GB" dirty="0">
                 <a:latin typeface="AR JULIAN" panose="02000000000000000000" pitchFamily="2" charset="0"/>
               </a:rPr>
               <a:t>The user needs to be able to:</a:t>
@@ -7900,7 +7670,7 @@
           <a:lstStyle/>
           <a:p>
             <a:r>
-              <a:rPr lang="en-GB" dirty="0" smtClean="0">
+              <a:rPr lang="en-GB" dirty="0">
                 <a:latin typeface="AR JULIAN" panose="02000000000000000000" pitchFamily="2" charset="0"/>
               </a:rPr>
               <a:t>The application must:</a:t>
@@ -7936,7 +7706,7 @@
               <a:buChar char="q"/>
             </a:pPr>
             <a:r>
-              <a:rPr lang="en-GB" sz="2000" dirty="0" smtClean="0">
+              <a:rPr lang="en-GB" sz="2000" dirty="0">
                 <a:latin typeface="AR JULIAN" panose="02000000000000000000"/>
               </a:rPr>
               <a:t>Return accurate results quickly and reliably</a:t>
@@ -7948,7 +7718,7 @@
               <a:buChar char="q"/>
             </a:pPr>
             <a:r>
-              <a:rPr lang="en-GB" sz="2000" dirty="0" smtClean="0">
+              <a:rPr lang="en-GB" sz="2000" dirty="0">
                 <a:latin typeface="AR JULIAN" panose="02000000000000000000"/>
               </a:rPr>
               <a:t>Provide important information about each page</a:t>
@@ -7960,7 +7730,7 @@
               <a:buChar char="q"/>
             </a:pPr>
             <a:r>
-              <a:rPr lang="en-GB" sz="2000" dirty="0" smtClean="0">
+              <a:rPr lang="en-GB" sz="2000" dirty="0">
                 <a:latin typeface="AR JULIAN" panose="02000000000000000000"/>
               </a:rPr>
               <a:t>Allow the user to set his personal information to private/public</a:t>
@@ -7998,10 +7768,6 @@
           </a:bodyPr>
           <a:lstStyle/>
           <a:p>
-            <a:r>
-              <a:rPr lang="en-GB" dirty="0"/>
-              <a:t/>
-            </a:r>
             <a:br>
               <a:rPr lang="en-GB" dirty="0"/>
             </a:br>
@@ -8063,10 +7829,6 @@
               </a:rPr>
               <a:t>!Functional Requirements</a:t>
             </a:r>
-            <a:r>
-              <a:rPr lang="en-GB" dirty="0"/>
-              <a:t/>
-            </a:r>
             <a:br>
               <a:rPr lang="en-GB" dirty="0"/>
             </a:br>
@@ -8095,27 +7857,15 @@
           <a:lstStyle/>
           <a:p>
             <a:r>
-              <a:rPr lang="en-GB" dirty="0" smtClean="0">
-                <a:latin typeface="AR JULIAN" panose="02000000000000000000" pitchFamily="2" charset="0"/>
-              </a:rPr>
-              <a:t>Needs to </a:t>
-            </a:r>
-            <a:r>
               <a:rPr lang="en-GB" dirty="0">
                 <a:latin typeface="AR JULIAN" panose="02000000000000000000" pitchFamily="2" charset="0"/>
               </a:rPr>
-              <a:t>look </a:t>
-            </a:r>
-            <a:r>
-              <a:rPr lang="en-GB" dirty="0" smtClean="0">
-                <a:latin typeface="AR JULIAN" panose="02000000000000000000" pitchFamily="2" charset="0"/>
-              </a:rPr>
-              <a:t>aesthetically pleasing;</a:t>
-            </a:r>
-          </a:p>
-          <a:p>
-            <a:r>
-              <a:rPr lang="en-GB" dirty="0" smtClean="0">
+              <a:t>Needs to look aesthetically pleasing;</a:t>
+            </a:r>
+          </a:p>
+          <a:p>
+            <a:r>
+              <a:rPr lang="en-GB" dirty="0">
                 <a:latin typeface="AR JULIAN" panose="02000000000000000000" pitchFamily="2" charset="0"/>
               </a:rPr>
               <a:t>Needs to be designed in an easy to use/easy to navigate way;</a:t>
@@ -8123,7 +7873,7 @@
           </a:p>
           <a:p>
             <a:r>
-              <a:rPr lang="en-GB" dirty="0" smtClean="0">
+              <a:rPr lang="en-GB" dirty="0">
                 <a:latin typeface="AR JULIAN" panose="02000000000000000000" pitchFamily="2" charset="0"/>
               </a:rPr>
               <a:t>Needs access to the internet as well as to different search APIs.</a:t>
